--- a/Presentation.pptx
+++ b/Presentation.pptx
@@ -12,16 +12,9 @@
     <p:sldId id="260" r:id="rId6"/>
     <p:sldId id="261" r:id="rId7"/>
     <p:sldId id="262" r:id="rId8"/>
-    <p:sldId id="263" r:id="rId9"/>
-    <p:sldId id="264" r:id="rId10"/>
-    <p:sldId id="265" r:id="rId11"/>
-    <p:sldId id="266" r:id="rId12"/>
-    <p:sldId id="267" r:id="rId13"/>
-    <p:sldId id="268" r:id="rId14"/>
-    <p:sldId id="269" r:id="rId15"/>
   </p:sldIdLst>
   <p:notesMasterIdLst>
-    <p:notesMasterId r:id="rId16"/>
+    <p:notesMasterId r:id="rId9"/>
   </p:notesMasterIdLst>
   <p:sldSz cx="9144000" cy="5143500"/>
   <p:notesSz cx="5143500" cy="9144000"/>
@@ -557,446 +550,6 @@
 </p:notes>
 </file>
 
-<file path=ppt/notesSlides/notesSlide10.xml><?xml version="1.0" encoding="utf-8"?>
-<p:notes xmlns:a="http://schemas.openxmlformats.org/drawingml/2006/main" xmlns:r="http://schemas.openxmlformats.org/officeDocument/2006/relationships" xmlns:p="http://schemas.openxmlformats.org/presentationml/2006/main">
-  <p:cSld>
-    <p:spTree>
-      <p:nvGrpSpPr>
-        <p:cNvPr id="1" name=""/>
-        <p:cNvGrpSpPr/>
-        <p:nvPr/>
-      </p:nvGrpSpPr>
-      <p:grpSpPr>
-        <a:xfrm>
-          <a:off x="0" y="0"/>
-          <a:ext cx="0" cy="0"/>
-          <a:chOff x="0" y="0"/>
-          <a:chExt cx="0" cy="0"/>
-        </a:xfrm>
-      </p:grpSpPr>
-      <p:sp>
-        <p:nvSpPr>
-          <p:cNvPr id="2" name="Slide Image Placeholder 1"/>
-          <p:cNvSpPr>
-            <a:spLocks noGrp="1" noRot="1" noChangeAspect="1"/>
-          </p:cNvSpPr>
-          <p:nvPr>
-            <p:ph type="sldImg"/>
-          </p:nvPr>
-        </p:nvSpPr>
-        <p:spPr/>
-      </p:sp>
-      <p:sp>
-        <p:nvSpPr>
-          <p:cNvPr id="3" name="Notes Placeholder 2"/>
-          <p:cNvSpPr>
-            <a:spLocks noGrp="1"/>
-          </p:cNvSpPr>
-          <p:nvPr>
-            <p:ph type="body" idx="1"/>
-          </p:nvPr>
-        </p:nvSpPr>
-        <p:spPr/>
-        <p:txBody>
-          <a:bodyPr/>
-          <a:lstStyle/>
-          <a:p>
-            <a:r>
-              <a:rPr lang="en-US" dirty="0"/>
-              <a:t/>
-            </a:r>
-            <a:endParaRPr lang="en-US" dirty="0"/>
-          </a:p>
-        </p:txBody>
-      </p:sp>
-      <p:sp>
-        <p:nvSpPr>
-          <p:cNvPr id="4" name="Slide Number Placeholder 3"/>
-          <p:cNvSpPr>
-            <a:spLocks noGrp="1"/>
-          </p:cNvSpPr>
-          <p:nvPr>
-            <p:ph type="sldNum" sz="quarter" idx="10"/>
-          </p:nvPr>
-        </p:nvSpPr>
-        <p:spPr/>
-        <p:txBody>
-          <a:bodyPr/>
-          <a:lstStyle/>
-          <a:p>
-            <a:fld id="{F7021451-1387-4CA6-816F-3879F97B5CBC}" type="slidenum">
-              <a:rPr lang="en-US"/>
-              <a:t>10</a:t>
-            </a:fld>
-            <a:endParaRPr lang="en-US"/>
-          </a:p>
-        </p:txBody>
-      </p:sp>
-    </p:spTree>
-    <p:extLst>
-      <p:ext uri="{BB962C8B-B14F-4D97-AF65-F5344CB8AC3E}">
-        <p14:creationId xmlns:p14="http://schemas.microsoft.com/office/powerpoint/2010/main" val="1024086991"/>
-      </p:ext>
-    </p:extLst>
-  </p:cSld>
-  <p:clrMapOvr>
-    <a:masterClrMapping/>
-  </p:clrMapOvr>
-</p:notes>
-</file>
-
-<file path=ppt/notesSlides/notesSlide11.xml><?xml version="1.0" encoding="utf-8"?>
-<p:notes xmlns:a="http://schemas.openxmlformats.org/drawingml/2006/main" xmlns:r="http://schemas.openxmlformats.org/officeDocument/2006/relationships" xmlns:p="http://schemas.openxmlformats.org/presentationml/2006/main">
-  <p:cSld>
-    <p:spTree>
-      <p:nvGrpSpPr>
-        <p:cNvPr id="1" name=""/>
-        <p:cNvGrpSpPr/>
-        <p:nvPr/>
-      </p:nvGrpSpPr>
-      <p:grpSpPr>
-        <a:xfrm>
-          <a:off x="0" y="0"/>
-          <a:ext cx="0" cy="0"/>
-          <a:chOff x="0" y="0"/>
-          <a:chExt cx="0" cy="0"/>
-        </a:xfrm>
-      </p:grpSpPr>
-      <p:sp>
-        <p:nvSpPr>
-          <p:cNvPr id="2" name="Slide Image Placeholder 1"/>
-          <p:cNvSpPr>
-            <a:spLocks noGrp="1" noRot="1" noChangeAspect="1"/>
-          </p:cNvSpPr>
-          <p:nvPr>
-            <p:ph type="sldImg"/>
-          </p:nvPr>
-        </p:nvSpPr>
-        <p:spPr/>
-      </p:sp>
-      <p:sp>
-        <p:nvSpPr>
-          <p:cNvPr id="3" name="Notes Placeholder 2"/>
-          <p:cNvSpPr>
-            <a:spLocks noGrp="1"/>
-          </p:cNvSpPr>
-          <p:nvPr>
-            <p:ph type="body" idx="1"/>
-          </p:nvPr>
-        </p:nvSpPr>
-        <p:spPr/>
-        <p:txBody>
-          <a:bodyPr/>
-          <a:lstStyle/>
-          <a:p>
-            <a:r>
-              <a:rPr lang="en-US" dirty="0"/>
-              <a:t/>
-            </a:r>
-            <a:endParaRPr lang="en-US" dirty="0"/>
-          </a:p>
-        </p:txBody>
-      </p:sp>
-      <p:sp>
-        <p:nvSpPr>
-          <p:cNvPr id="4" name="Slide Number Placeholder 3"/>
-          <p:cNvSpPr>
-            <a:spLocks noGrp="1"/>
-          </p:cNvSpPr>
-          <p:nvPr>
-            <p:ph type="sldNum" sz="quarter" idx="10"/>
-          </p:nvPr>
-        </p:nvSpPr>
-        <p:spPr/>
-        <p:txBody>
-          <a:bodyPr/>
-          <a:lstStyle/>
-          <a:p>
-            <a:fld id="{F7021451-1387-4CA6-816F-3879F97B5CBC}" type="slidenum">
-              <a:rPr lang="en-US"/>
-              <a:t>11</a:t>
-            </a:fld>
-            <a:endParaRPr lang="en-US"/>
-          </a:p>
-        </p:txBody>
-      </p:sp>
-    </p:spTree>
-    <p:extLst>
-      <p:ext uri="{BB962C8B-B14F-4D97-AF65-F5344CB8AC3E}">
-        <p14:creationId xmlns:p14="http://schemas.microsoft.com/office/powerpoint/2010/main" val="1024086991"/>
-      </p:ext>
-    </p:extLst>
-  </p:cSld>
-  <p:clrMapOvr>
-    <a:masterClrMapping/>
-  </p:clrMapOvr>
-</p:notes>
-</file>
-
-<file path=ppt/notesSlides/notesSlide12.xml><?xml version="1.0" encoding="utf-8"?>
-<p:notes xmlns:a="http://schemas.openxmlformats.org/drawingml/2006/main" xmlns:r="http://schemas.openxmlformats.org/officeDocument/2006/relationships" xmlns:p="http://schemas.openxmlformats.org/presentationml/2006/main">
-  <p:cSld>
-    <p:spTree>
-      <p:nvGrpSpPr>
-        <p:cNvPr id="1" name=""/>
-        <p:cNvGrpSpPr/>
-        <p:nvPr/>
-      </p:nvGrpSpPr>
-      <p:grpSpPr>
-        <a:xfrm>
-          <a:off x="0" y="0"/>
-          <a:ext cx="0" cy="0"/>
-          <a:chOff x="0" y="0"/>
-          <a:chExt cx="0" cy="0"/>
-        </a:xfrm>
-      </p:grpSpPr>
-      <p:sp>
-        <p:nvSpPr>
-          <p:cNvPr id="2" name="Slide Image Placeholder 1"/>
-          <p:cNvSpPr>
-            <a:spLocks noGrp="1" noRot="1" noChangeAspect="1"/>
-          </p:cNvSpPr>
-          <p:nvPr>
-            <p:ph type="sldImg"/>
-          </p:nvPr>
-        </p:nvSpPr>
-        <p:spPr/>
-      </p:sp>
-      <p:sp>
-        <p:nvSpPr>
-          <p:cNvPr id="3" name="Notes Placeholder 2"/>
-          <p:cNvSpPr>
-            <a:spLocks noGrp="1"/>
-          </p:cNvSpPr>
-          <p:nvPr>
-            <p:ph type="body" idx="1"/>
-          </p:nvPr>
-        </p:nvSpPr>
-        <p:spPr/>
-        <p:txBody>
-          <a:bodyPr/>
-          <a:lstStyle/>
-          <a:p>
-            <a:r>
-              <a:rPr lang="en-US" dirty="0"/>
-              <a:t/>
-            </a:r>
-            <a:endParaRPr lang="en-US" dirty="0"/>
-          </a:p>
-        </p:txBody>
-      </p:sp>
-      <p:sp>
-        <p:nvSpPr>
-          <p:cNvPr id="4" name="Slide Number Placeholder 3"/>
-          <p:cNvSpPr>
-            <a:spLocks noGrp="1"/>
-          </p:cNvSpPr>
-          <p:nvPr>
-            <p:ph type="sldNum" sz="quarter" idx="10"/>
-          </p:nvPr>
-        </p:nvSpPr>
-        <p:spPr/>
-        <p:txBody>
-          <a:bodyPr/>
-          <a:lstStyle/>
-          <a:p>
-            <a:fld id="{F7021451-1387-4CA6-816F-3879F97B5CBC}" type="slidenum">
-              <a:rPr lang="en-US"/>
-              <a:t>12</a:t>
-            </a:fld>
-            <a:endParaRPr lang="en-US"/>
-          </a:p>
-        </p:txBody>
-      </p:sp>
-    </p:spTree>
-    <p:extLst>
-      <p:ext uri="{BB962C8B-B14F-4D97-AF65-F5344CB8AC3E}">
-        <p14:creationId xmlns:p14="http://schemas.microsoft.com/office/powerpoint/2010/main" val="1024086991"/>
-      </p:ext>
-    </p:extLst>
-  </p:cSld>
-  <p:clrMapOvr>
-    <a:masterClrMapping/>
-  </p:clrMapOvr>
-</p:notes>
-</file>
-
-<file path=ppt/notesSlides/notesSlide13.xml><?xml version="1.0" encoding="utf-8"?>
-<p:notes xmlns:a="http://schemas.openxmlformats.org/drawingml/2006/main" xmlns:r="http://schemas.openxmlformats.org/officeDocument/2006/relationships" xmlns:p="http://schemas.openxmlformats.org/presentationml/2006/main">
-  <p:cSld>
-    <p:spTree>
-      <p:nvGrpSpPr>
-        <p:cNvPr id="1" name=""/>
-        <p:cNvGrpSpPr/>
-        <p:nvPr/>
-      </p:nvGrpSpPr>
-      <p:grpSpPr>
-        <a:xfrm>
-          <a:off x="0" y="0"/>
-          <a:ext cx="0" cy="0"/>
-          <a:chOff x="0" y="0"/>
-          <a:chExt cx="0" cy="0"/>
-        </a:xfrm>
-      </p:grpSpPr>
-      <p:sp>
-        <p:nvSpPr>
-          <p:cNvPr id="2" name="Slide Image Placeholder 1"/>
-          <p:cNvSpPr>
-            <a:spLocks noGrp="1" noRot="1" noChangeAspect="1"/>
-          </p:cNvSpPr>
-          <p:nvPr>
-            <p:ph type="sldImg"/>
-          </p:nvPr>
-        </p:nvSpPr>
-        <p:spPr/>
-      </p:sp>
-      <p:sp>
-        <p:nvSpPr>
-          <p:cNvPr id="3" name="Notes Placeholder 2"/>
-          <p:cNvSpPr>
-            <a:spLocks noGrp="1"/>
-          </p:cNvSpPr>
-          <p:nvPr>
-            <p:ph type="body" idx="1"/>
-          </p:nvPr>
-        </p:nvSpPr>
-        <p:spPr/>
-        <p:txBody>
-          <a:bodyPr/>
-          <a:lstStyle/>
-          <a:p>
-            <a:r>
-              <a:rPr lang="en-US" dirty="0"/>
-              <a:t/>
-            </a:r>
-            <a:endParaRPr lang="en-US" dirty="0"/>
-          </a:p>
-        </p:txBody>
-      </p:sp>
-      <p:sp>
-        <p:nvSpPr>
-          <p:cNvPr id="4" name="Slide Number Placeholder 3"/>
-          <p:cNvSpPr>
-            <a:spLocks noGrp="1"/>
-          </p:cNvSpPr>
-          <p:nvPr>
-            <p:ph type="sldNum" sz="quarter" idx="10"/>
-          </p:nvPr>
-        </p:nvSpPr>
-        <p:spPr/>
-        <p:txBody>
-          <a:bodyPr/>
-          <a:lstStyle/>
-          <a:p>
-            <a:fld id="{F7021451-1387-4CA6-816F-3879F97B5CBC}" type="slidenum">
-              <a:rPr lang="en-US"/>
-              <a:t>13</a:t>
-            </a:fld>
-            <a:endParaRPr lang="en-US"/>
-          </a:p>
-        </p:txBody>
-      </p:sp>
-    </p:spTree>
-    <p:extLst>
-      <p:ext uri="{BB962C8B-B14F-4D97-AF65-F5344CB8AC3E}">
-        <p14:creationId xmlns:p14="http://schemas.microsoft.com/office/powerpoint/2010/main" val="1024086991"/>
-      </p:ext>
-    </p:extLst>
-  </p:cSld>
-  <p:clrMapOvr>
-    <a:masterClrMapping/>
-  </p:clrMapOvr>
-</p:notes>
-</file>
-
-<file path=ppt/notesSlides/notesSlide14.xml><?xml version="1.0" encoding="utf-8"?>
-<p:notes xmlns:a="http://schemas.openxmlformats.org/drawingml/2006/main" xmlns:r="http://schemas.openxmlformats.org/officeDocument/2006/relationships" xmlns:p="http://schemas.openxmlformats.org/presentationml/2006/main">
-  <p:cSld>
-    <p:spTree>
-      <p:nvGrpSpPr>
-        <p:cNvPr id="1" name=""/>
-        <p:cNvGrpSpPr/>
-        <p:nvPr/>
-      </p:nvGrpSpPr>
-      <p:grpSpPr>
-        <a:xfrm>
-          <a:off x="0" y="0"/>
-          <a:ext cx="0" cy="0"/>
-          <a:chOff x="0" y="0"/>
-          <a:chExt cx="0" cy="0"/>
-        </a:xfrm>
-      </p:grpSpPr>
-      <p:sp>
-        <p:nvSpPr>
-          <p:cNvPr id="2" name="Slide Image Placeholder 1"/>
-          <p:cNvSpPr>
-            <a:spLocks noGrp="1" noRot="1" noChangeAspect="1"/>
-          </p:cNvSpPr>
-          <p:nvPr>
-            <p:ph type="sldImg"/>
-          </p:nvPr>
-        </p:nvSpPr>
-        <p:spPr/>
-      </p:sp>
-      <p:sp>
-        <p:nvSpPr>
-          <p:cNvPr id="3" name="Notes Placeholder 2"/>
-          <p:cNvSpPr>
-            <a:spLocks noGrp="1"/>
-          </p:cNvSpPr>
-          <p:nvPr>
-            <p:ph type="body" idx="1"/>
-          </p:nvPr>
-        </p:nvSpPr>
-        <p:spPr/>
-        <p:txBody>
-          <a:bodyPr/>
-          <a:lstStyle/>
-          <a:p>
-            <a:r>
-              <a:rPr lang="en-US" dirty="0"/>
-              <a:t/>
-            </a:r>
-            <a:endParaRPr lang="en-US" dirty="0"/>
-          </a:p>
-        </p:txBody>
-      </p:sp>
-      <p:sp>
-        <p:nvSpPr>
-          <p:cNvPr id="4" name="Slide Number Placeholder 3"/>
-          <p:cNvSpPr>
-            <a:spLocks noGrp="1"/>
-          </p:cNvSpPr>
-          <p:nvPr>
-            <p:ph type="sldNum" sz="quarter" idx="10"/>
-          </p:nvPr>
-        </p:nvSpPr>
-        <p:spPr/>
-        <p:txBody>
-          <a:bodyPr/>
-          <a:lstStyle/>
-          <a:p>
-            <a:fld id="{F7021451-1387-4CA6-816F-3879F97B5CBC}" type="slidenum">
-              <a:rPr lang="en-US"/>
-              <a:t>14</a:t>
-            </a:fld>
-            <a:endParaRPr lang="en-US"/>
-          </a:p>
-        </p:txBody>
-      </p:sp>
-    </p:spTree>
-    <p:extLst>
-      <p:ext uri="{BB962C8B-B14F-4D97-AF65-F5344CB8AC3E}">
-        <p14:creationId xmlns:p14="http://schemas.microsoft.com/office/powerpoint/2010/main" val="1024086991"/>
-      </p:ext>
-    </p:extLst>
-  </p:cSld>
-  <p:clrMapOvr>
-    <a:masterClrMapping/>
-  </p:clrMapOvr>
-</p:notes>
-</file>
-
 <file path=ppt/notesSlides/notesSlide2.xml><?xml version="1.0" encoding="utf-8"?>
 <p:notes xmlns:a="http://schemas.openxmlformats.org/drawingml/2006/main" xmlns:r="http://schemas.openxmlformats.org/officeDocument/2006/relationships" xmlns:p="http://schemas.openxmlformats.org/presentationml/2006/main">
   <p:cSld>
@@ -1507,182 +1060,6 @@
             <a:fld id="{F7021451-1387-4CA6-816F-3879F97B5CBC}" type="slidenum">
               <a:rPr lang="en-US"/>
               <a:t>7</a:t>
-            </a:fld>
-            <a:endParaRPr lang="en-US"/>
-          </a:p>
-        </p:txBody>
-      </p:sp>
-    </p:spTree>
-    <p:extLst>
-      <p:ext uri="{BB962C8B-B14F-4D97-AF65-F5344CB8AC3E}">
-        <p14:creationId xmlns:p14="http://schemas.microsoft.com/office/powerpoint/2010/main" val="1024086991"/>
-      </p:ext>
-    </p:extLst>
-  </p:cSld>
-  <p:clrMapOvr>
-    <a:masterClrMapping/>
-  </p:clrMapOvr>
-</p:notes>
-</file>
-
-<file path=ppt/notesSlides/notesSlide8.xml><?xml version="1.0" encoding="utf-8"?>
-<p:notes xmlns:a="http://schemas.openxmlformats.org/drawingml/2006/main" xmlns:r="http://schemas.openxmlformats.org/officeDocument/2006/relationships" xmlns:p="http://schemas.openxmlformats.org/presentationml/2006/main">
-  <p:cSld>
-    <p:spTree>
-      <p:nvGrpSpPr>
-        <p:cNvPr id="1" name=""/>
-        <p:cNvGrpSpPr/>
-        <p:nvPr/>
-      </p:nvGrpSpPr>
-      <p:grpSpPr>
-        <a:xfrm>
-          <a:off x="0" y="0"/>
-          <a:ext cx="0" cy="0"/>
-          <a:chOff x="0" y="0"/>
-          <a:chExt cx="0" cy="0"/>
-        </a:xfrm>
-      </p:grpSpPr>
-      <p:sp>
-        <p:nvSpPr>
-          <p:cNvPr id="2" name="Slide Image Placeholder 1"/>
-          <p:cNvSpPr>
-            <a:spLocks noGrp="1" noRot="1" noChangeAspect="1"/>
-          </p:cNvSpPr>
-          <p:nvPr>
-            <p:ph type="sldImg"/>
-          </p:nvPr>
-        </p:nvSpPr>
-        <p:spPr/>
-      </p:sp>
-      <p:sp>
-        <p:nvSpPr>
-          <p:cNvPr id="3" name="Notes Placeholder 2"/>
-          <p:cNvSpPr>
-            <a:spLocks noGrp="1"/>
-          </p:cNvSpPr>
-          <p:nvPr>
-            <p:ph type="body" idx="1"/>
-          </p:nvPr>
-        </p:nvSpPr>
-        <p:spPr/>
-        <p:txBody>
-          <a:bodyPr/>
-          <a:lstStyle/>
-          <a:p>
-            <a:r>
-              <a:rPr lang="en-US" dirty="0"/>
-              <a:t/>
-            </a:r>
-            <a:endParaRPr lang="en-US" dirty="0"/>
-          </a:p>
-        </p:txBody>
-      </p:sp>
-      <p:sp>
-        <p:nvSpPr>
-          <p:cNvPr id="4" name="Slide Number Placeholder 3"/>
-          <p:cNvSpPr>
-            <a:spLocks noGrp="1"/>
-          </p:cNvSpPr>
-          <p:nvPr>
-            <p:ph type="sldNum" sz="quarter" idx="10"/>
-          </p:nvPr>
-        </p:nvSpPr>
-        <p:spPr/>
-        <p:txBody>
-          <a:bodyPr/>
-          <a:lstStyle/>
-          <a:p>
-            <a:fld id="{F7021451-1387-4CA6-816F-3879F97B5CBC}" type="slidenum">
-              <a:rPr lang="en-US"/>
-              <a:t>8</a:t>
-            </a:fld>
-            <a:endParaRPr lang="en-US"/>
-          </a:p>
-        </p:txBody>
-      </p:sp>
-    </p:spTree>
-    <p:extLst>
-      <p:ext uri="{BB962C8B-B14F-4D97-AF65-F5344CB8AC3E}">
-        <p14:creationId xmlns:p14="http://schemas.microsoft.com/office/powerpoint/2010/main" val="1024086991"/>
-      </p:ext>
-    </p:extLst>
-  </p:cSld>
-  <p:clrMapOvr>
-    <a:masterClrMapping/>
-  </p:clrMapOvr>
-</p:notes>
-</file>
-
-<file path=ppt/notesSlides/notesSlide9.xml><?xml version="1.0" encoding="utf-8"?>
-<p:notes xmlns:a="http://schemas.openxmlformats.org/drawingml/2006/main" xmlns:r="http://schemas.openxmlformats.org/officeDocument/2006/relationships" xmlns:p="http://schemas.openxmlformats.org/presentationml/2006/main">
-  <p:cSld>
-    <p:spTree>
-      <p:nvGrpSpPr>
-        <p:cNvPr id="1" name=""/>
-        <p:cNvGrpSpPr/>
-        <p:nvPr/>
-      </p:nvGrpSpPr>
-      <p:grpSpPr>
-        <a:xfrm>
-          <a:off x="0" y="0"/>
-          <a:ext cx="0" cy="0"/>
-          <a:chOff x="0" y="0"/>
-          <a:chExt cx="0" cy="0"/>
-        </a:xfrm>
-      </p:grpSpPr>
-      <p:sp>
-        <p:nvSpPr>
-          <p:cNvPr id="2" name="Slide Image Placeholder 1"/>
-          <p:cNvSpPr>
-            <a:spLocks noGrp="1" noRot="1" noChangeAspect="1"/>
-          </p:cNvSpPr>
-          <p:nvPr>
-            <p:ph type="sldImg"/>
-          </p:nvPr>
-        </p:nvSpPr>
-        <p:spPr/>
-      </p:sp>
-      <p:sp>
-        <p:nvSpPr>
-          <p:cNvPr id="3" name="Notes Placeholder 2"/>
-          <p:cNvSpPr>
-            <a:spLocks noGrp="1"/>
-          </p:cNvSpPr>
-          <p:nvPr>
-            <p:ph type="body" idx="1"/>
-          </p:nvPr>
-        </p:nvSpPr>
-        <p:spPr/>
-        <p:txBody>
-          <a:bodyPr/>
-          <a:lstStyle/>
-          <a:p>
-            <a:r>
-              <a:rPr lang="en-US" dirty="0"/>
-              <a:t/>
-            </a:r>
-            <a:endParaRPr lang="en-US" dirty="0"/>
-          </a:p>
-        </p:txBody>
-      </p:sp>
-      <p:sp>
-        <p:nvSpPr>
-          <p:cNvPr id="4" name="Slide Number Placeholder 3"/>
-          <p:cNvSpPr>
-            <a:spLocks noGrp="1"/>
-          </p:cNvSpPr>
-          <p:nvPr>
-            <p:ph type="sldNum" sz="quarter" idx="10"/>
-          </p:nvPr>
-        </p:nvSpPr>
-        <p:spPr/>
-        <p:txBody>
-          <a:bodyPr/>
-          <a:lstStyle/>
-          <a:p>
-            <a:fld id="{F7021451-1387-4CA6-816F-3879F97B5CBC}" type="slidenum">
-              <a:rPr lang="en-US"/>
-              <a:t>9</a:t>
             </a:fld>
             <a:endParaRPr lang="en-US"/>
           </a:p>
@@ -2040,8 +1417,8 @@
         </p:nvSpPr>
         <p:spPr>
           <a:xfrm>
-            <a:off x="457200" y="1828800"/>
-            <a:ext cx="8229600" cy="1371600"/>
+            <a:off x="0" y="1543050"/>
+            <a:ext cx="9144000" cy="0"/>
           </a:xfrm>
           <a:prstGeom prst="rect">
             <a:avLst/>
@@ -2065,7 +1442,7 @@
                 <a:ea typeface="Arial" pitchFamily="34" charset="-122"/>
                 <a:cs typeface="Arial" pitchFamily="34" charset="-120"/>
               </a:rPr>
-              <a:t>genai</a:t>
+              <a:t>Pahalgam Attack</a:t>
             </a:r>
             <a:endParaRPr lang="en-US" sz="4400" dirty="0"/>
           </a:p>
@@ -2079,8 +1456,8 @@
         </p:nvSpPr>
         <p:spPr>
           <a:xfrm>
-            <a:off x="457200" y="3657600"/>
-            <a:ext cx="8229600" cy="914400"/>
+            <a:off x="0" y="2571750"/>
+            <a:ext cx="9144000" cy="0"/>
           </a:xfrm>
           <a:prstGeom prst="rect">
             <a:avLst/>
@@ -2093,6 +1470,9 @@
           <a:lstStyle/>
           <a:p>
             <a:pPr algn="ctr" indent="0" marL="0">
+              <a:lnSpc>
+                <a:spcPts val="150"/>
+              </a:lnSpc>
               <a:buNone/>
             </a:pPr>
             <a:r>
@@ -2118,9 +1498,9 @@
 </p:sld>
 </file>
 
-<file path=ppt/slides/slide10.xml><?xml version="1.0" encoding="utf-8"?>
+<file path=ppt/slides/slide2.xml><?xml version="1.0" encoding="utf-8"?>
 <p:sld xmlns:a="http://schemas.openxmlformats.org/drawingml/2006/main" xmlns:r="http://schemas.openxmlformats.org/officeDocument/2006/relationships" xmlns:p="http://schemas.openxmlformats.org/presentationml/2006/main">
-  <p:cSld name="Slide 10">
+  <p:cSld name="Slide 2">
     <p:bg>
       <p:bgPr>
         <a:solidFill>
@@ -2150,8 +1530,8 @@
         </p:nvSpPr>
         <p:spPr>
           <a:xfrm>
-            <a:off x="457200" y="914400"/>
-            <a:ext cx="8229600" cy="1371600"/>
+            <a:off x="457200" y="257175"/>
+            <a:ext cx="8229600" cy="0"/>
           </a:xfrm>
           <a:prstGeom prst="rect">
             <a:avLst/>
@@ -2167,7 +1547,7 @@
               <a:buNone/>
             </a:pPr>
             <a:r>
-              <a:rPr lang="en-US" sz="3600" b="1" dirty="0">
+              <a:rPr lang="en-US" sz="3200" b="1" dirty="0">
                 <a:solidFill>
                   <a:srgbClr val="363636"/>
                 </a:solidFill>
@@ -2175,9 +1555,9 @@
                 <a:ea typeface="Arial" pitchFamily="34" charset="-122"/>
                 <a:cs typeface="Arial" pitchFamily="34" charset="-120"/>
               </a:rPr>
-              <a:t>Benefits of Generative AI</a:t>
-            </a:r>
-            <a:endParaRPr lang="en-US" sz="3600" dirty="0"/>
+              <a:t>The Pahalgam Attack: An Overview</a:t>
+            </a:r>
+            <a:endParaRPr lang="en-US" sz="3200" dirty="0"/>
           </a:p>
         </p:txBody>
       </p:sp>
@@ -2189,8 +1569,8 @@
         </p:nvSpPr>
         <p:spPr>
           <a:xfrm>
-            <a:off x="457200" y="2560320"/>
-            <a:ext cx="8229600" cy="3657600"/>
+            <a:off x="457200" y="1285875"/>
+            <a:ext cx="8229600" cy="3600450"/>
           </a:xfrm>
           <a:prstGeom prst="rect">
             <a:avLst/>
@@ -2202,6 +1582,12 @@
           <a:bodyPr wrap="square" rtlCol="0" anchor="ctr"/>
           <a:lstStyle/>
           <a:p>
+            <a:pPr indent="0" marL="0">
+              <a:lnSpc>
+                <a:spcPts val="150"/>
+              </a:lnSpc>
+              <a:buNone/>
+            </a:pPr>
             <a:r>
               <a:rPr lang="en-US" sz="2400" dirty="0">
                 <a:solidFill>
@@ -2211,63 +1597,7 @@
                 <a:ea typeface="Arial" pitchFamily="34" charset="-122"/>
                 <a:cs typeface="Arial" pitchFamily="34" charset="-120"/>
               </a:rPr>
-              <a:t>Increased Efficiency &amp; Automation: Automating repetitive content creation tasks.</a:t>
-            </a:r>
-            <a:pPr indent="0" marL="0">
-              <a:buNone/>
-            </a:pPr>
-            <a:r>
-              <a:rPr lang="en-US" sz="2400" dirty="0">
-                <a:solidFill>
-                  <a:srgbClr val="363636"/>
-                </a:solidFill>
-                <a:latin typeface="Arial" pitchFamily="34" charset="0"/>
-                <a:ea typeface="Arial" pitchFamily="34" charset="-122"/>
-                <a:cs typeface="Arial" pitchFamily="34" charset="-120"/>
-              </a:rPr>
-              <a:t>Enhanced Creativity: Augmenting human creativity, providing inspiration, exploring new possibilities.</a:t>
-            </a:r>
-            <a:pPr indent="0" marL="0">
-              <a:buNone/>
-            </a:pPr>
-            <a:r>
-              <a:rPr lang="en-US" sz="2400" dirty="0">
-                <a:solidFill>
-                  <a:srgbClr val="363636"/>
-                </a:solidFill>
-                <a:latin typeface="Arial" pitchFamily="34" charset="0"/>
-                <a:ea typeface="Arial" pitchFamily="34" charset="-122"/>
-                <a:cs typeface="Arial" pitchFamily="34" charset="-120"/>
-              </a:rPr>
-              <a:t>Personalization: Tailoring content, products, and experiences at scale.</a:t>
-            </a:r>
-            <a:pPr indent="0" marL="0">
-              <a:buNone/>
-            </a:pPr>
-            <a:r>
-              <a:rPr lang="en-US" sz="2400" dirty="0">
-                <a:solidFill>
-                  <a:srgbClr val="363636"/>
-                </a:solidFill>
-                <a:latin typeface="Arial" pitchFamily="34" charset="0"/>
-                <a:ea typeface="Arial" pitchFamily="34" charset="-122"/>
-                <a:cs typeface="Arial" pitchFamily="34" charset="-120"/>
-              </a:rPr>
-              <a:t>Accelerated Prototyping &amp; Innovation: Quickly generating designs, code, and ideas.</a:t>
-            </a:r>
-            <a:pPr indent="0" marL="0">
-              <a:buNone/>
-            </a:pPr>
-            <a:r>
-              <a:rPr lang="en-US" sz="2400" dirty="0">
-                <a:solidFill>
-                  <a:srgbClr val="363636"/>
-                </a:solidFill>
-                <a:latin typeface="Arial" pitchFamily="34" charset="0"/>
-                <a:ea typeface="Arial" pitchFamily="34" charset="-122"/>
-                <a:cs typeface="Arial" pitchFamily="34" charset="-120"/>
-              </a:rPr>
-              <a:t>Accessibility: Enabling creation for non-experts (e.g., generating code or art).</a:t>
+              <a:t>This presentation provides a brief overview of a significant attack that occurred in Pahalgam, Jammu and Kashmir. We will focus on the widely reported attack targeting Amarnath Yatra pilgrims on August 1, 2000, often referred to as the Pahalgam Massacre.</a:t>
             </a:r>
             <a:endParaRPr lang="en-US" sz="2400" dirty="0"/>
           </a:p>
@@ -2281,9 +1611,9 @@
 </p:sld>
 </file>
 
-<file path=ppt/slides/slide11.xml><?xml version="1.0" encoding="utf-8"?>
+<file path=ppt/slides/slide3.xml><?xml version="1.0" encoding="utf-8"?>
 <p:sld xmlns:a="http://schemas.openxmlformats.org/drawingml/2006/main" xmlns:r="http://schemas.openxmlformats.org/officeDocument/2006/relationships" xmlns:p="http://schemas.openxmlformats.org/presentationml/2006/main">
-  <p:cSld name="Slide 11">
+  <p:cSld name="Slide 3">
     <p:bg>
       <p:bgPr>
         <a:solidFill>
@@ -2313,8 +1643,8 @@
         </p:nvSpPr>
         <p:spPr>
           <a:xfrm>
-            <a:off x="457200" y="914400"/>
-            <a:ext cx="8229600" cy="1371600"/>
+            <a:off x="457200" y="257175"/>
+            <a:ext cx="8229600" cy="0"/>
           </a:xfrm>
           <a:prstGeom prst="rect">
             <a:avLst/>
@@ -2330,7 +1660,7 @@
               <a:buNone/>
             </a:pPr>
             <a:r>
-              <a:rPr lang="en-US" sz="3600" b="1" dirty="0">
+              <a:rPr lang="en-US" sz="3200" b="1" dirty="0">
                 <a:solidFill>
                   <a:srgbClr val="363636"/>
                 </a:solidFill>
@@ -2338,9 +1668,9 @@
                 <a:ea typeface="Arial" pitchFamily="34" charset="-122"/>
                 <a:cs typeface="Arial" pitchFamily="34" charset="-120"/>
               </a:rPr>
-              <a:t>Challenges and Risks</a:t>
-            </a:r>
-            <a:endParaRPr lang="en-US" sz="3600" dirty="0"/>
+              <a:t>The Incident: August 1, 2000</a:t>
+            </a:r>
+            <a:endParaRPr lang="en-US" sz="3200" dirty="0"/>
           </a:p>
         </p:txBody>
       </p:sp>
@@ -2352,8 +1682,8 @@
         </p:nvSpPr>
         <p:spPr>
           <a:xfrm>
-            <a:off x="457200" y="2560320"/>
-            <a:ext cx="8229600" cy="3657600"/>
+            <a:off x="457200" y="1285875"/>
+            <a:ext cx="8229600" cy="3600450"/>
           </a:xfrm>
           <a:prstGeom prst="rect">
             <a:avLst/>
@@ -2365,6 +1695,12 @@
           <a:bodyPr wrap="square" rtlCol="0" anchor="ctr"/>
           <a:lstStyle/>
           <a:p>
+            <a:pPr indent="0" marL="0">
+              <a:lnSpc>
+                <a:spcPts val="150"/>
+              </a:lnSpc>
+              <a:buNone/>
+            </a:pPr>
             <a:r>
               <a:rPr lang="en-US" sz="2400" dirty="0">
                 <a:solidFill>
@@ -2374,77 +1710,7 @@
                 <a:ea typeface="Arial" pitchFamily="34" charset="-122"/>
                 <a:cs typeface="Arial" pitchFamily="34" charset="-120"/>
               </a:rPr>
-              <a:t>Bias and Fairness: Models can inherit and amplify biases present in training data.</a:t>
-            </a:r>
-            <a:pPr indent="0" marL="0">
-              <a:buNone/>
-            </a:pPr>
-            <a:r>
-              <a:rPr lang="en-US" sz="2400" dirty="0">
-                <a:solidFill>
-                  <a:srgbClr val="363636"/>
-                </a:solidFill>
-                <a:latin typeface="Arial" pitchFamily="34" charset="0"/>
-                <a:ea typeface="Arial" pitchFamily="34" charset="-122"/>
-                <a:cs typeface="Arial" pitchFamily="34" charset="-120"/>
-              </a:rPr>
-              <a:t>Misinformation &amp; Disinformation: Potential for generating fake news, deepfakes, and propaganda at scale.</a:t>
-            </a:r>
-            <a:pPr indent="0" marL="0">
-              <a:buNone/>
-            </a:pPr>
-            <a:r>
-              <a:rPr lang="en-US" sz="2400" dirty="0">
-                <a:solidFill>
-                  <a:srgbClr val="363636"/>
-                </a:solidFill>
-                <a:latin typeface="Arial" pitchFamily="34" charset="0"/>
-                <a:ea typeface="Arial" pitchFamily="34" charset="-122"/>
-                <a:cs typeface="Arial" pitchFamily="34" charset="-120"/>
-              </a:rPr>
-              <a:t>Ethical Concerns: Authorship, copyright infringement, plagiarism, malicious use (e.g., scams).</a:t>
-            </a:r>
-            <a:pPr indent="0" marL="0">
-              <a:buNone/>
-            </a:pPr>
-            <a:r>
-              <a:rPr lang="en-US" sz="2400" dirty="0">
-                <a:solidFill>
-                  <a:srgbClr val="363636"/>
-                </a:solidFill>
-                <a:latin typeface="Arial" pitchFamily="34" charset="0"/>
-                <a:ea typeface="Arial" pitchFamily="34" charset="-122"/>
-                <a:cs typeface="Arial" pitchFamily="34" charset="-120"/>
-              </a:rPr>
-              <a:t>Job Displacement: Automation concerns for certain creative and content-related roles.</a:t>
-            </a:r>
-            <a:pPr indent="0" marL="0">
-              <a:buNone/>
-            </a:pPr>
-            <a:r>
-              <a:rPr lang="en-US" sz="2400" dirty="0">
-                <a:solidFill>
-                  <a:srgbClr val="363636"/>
-                </a:solidFill>
-                <a:latin typeface="Arial" pitchFamily="34" charset="0"/>
-                <a:ea typeface="Arial" pitchFamily="34" charset="-122"/>
-                <a:cs typeface="Arial" pitchFamily="34" charset="-120"/>
-              </a:rPr>
-              <a:t>Computational Cost &amp; Environmental Impact: Training large models requires significant resources.</a:t>
-            </a:r>
-            <a:pPr indent="0" marL="0">
-              <a:buNone/>
-            </a:pPr>
-            <a:r>
-              <a:rPr lang="en-US" sz="2400" dirty="0">
-                <a:solidFill>
-                  <a:srgbClr val="363636"/>
-                </a:solidFill>
-                <a:latin typeface="Arial" pitchFamily="34" charset="0"/>
-                <a:ea typeface="Arial" pitchFamily="34" charset="-122"/>
-                <a:cs typeface="Arial" pitchFamily="34" charset="-120"/>
-              </a:rPr>
-              <a:t>Data Privacy: Ensuring sensitive information isn't leaked or regenerated.</a:t>
+              <a:t>On the evening of August 1, 2000, militants launched a deadly attack in Pahalgam, a base camp for the annual Hindu pilgrimage, Amarnath Yatra. The attack involved gunfire and grenades targeting pilgrims, local porters, shopkeepers, and security personnel in the vicinity.</a:t>
             </a:r>
             <a:endParaRPr lang="en-US" sz="2400" dirty="0"/>
           </a:p>
@@ -2458,9 +1724,9 @@
 </p:sld>
 </file>
 
-<file path=ppt/slides/slide12.xml><?xml version="1.0" encoding="utf-8"?>
+<file path=ppt/slides/slide4.xml><?xml version="1.0" encoding="utf-8"?>
 <p:sld xmlns:a="http://schemas.openxmlformats.org/drawingml/2006/main" xmlns:r="http://schemas.openxmlformats.org/officeDocument/2006/relationships" xmlns:p="http://schemas.openxmlformats.org/presentationml/2006/main">
-  <p:cSld name="Slide 12">
+  <p:cSld name="Slide 4">
     <p:bg>
       <p:bgPr>
         <a:solidFill>
@@ -2490,8 +1756,8 @@
         </p:nvSpPr>
         <p:spPr>
           <a:xfrm>
-            <a:off x="457200" y="914400"/>
-            <a:ext cx="8229600" cy="1371600"/>
+            <a:off x="457200" y="257175"/>
+            <a:ext cx="8229600" cy="0"/>
           </a:xfrm>
           <a:prstGeom prst="rect">
             <a:avLst/>
@@ -2507,7 +1773,7 @@
               <a:buNone/>
             </a:pPr>
             <a:r>
-              <a:rPr lang="en-US" sz="3600" b="1" dirty="0">
+              <a:rPr lang="en-US" sz="3200" b="1" dirty="0">
                 <a:solidFill>
                   <a:srgbClr val="363636"/>
                 </a:solidFill>
@@ -2515,9 +1781,9 @@
                 <a:ea typeface="Arial" pitchFamily="34" charset="-122"/>
                 <a:cs typeface="Arial" pitchFamily="34" charset="-120"/>
               </a:rPr>
-              <a:t>Ethical Considerations &amp; Responsible AI</a:t>
-            </a:r>
-            <a:endParaRPr lang="en-US" sz="3600" dirty="0"/>
+              <a:t>Targets and Casualties</a:t>
+            </a:r>
+            <a:endParaRPr lang="en-US" sz="3200" dirty="0"/>
           </a:p>
         </p:txBody>
       </p:sp>
@@ -2529,8 +1795,8 @@
         </p:nvSpPr>
         <p:spPr>
           <a:xfrm>
-            <a:off x="457200" y="2560320"/>
-            <a:ext cx="8229600" cy="3657600"/>
+            <a:off x="457200" y="1285875"/>
+            <a:ext cx="8229600" cy="3600450"/>
           </a:xfrm>
           <a:prstGeom prst="rect">
             <a:avLst/>
@@ -2542,6 +1808,12 @@
           <a:bodyPr wrap="square" rtlCol="0" anchor="ctr"/>
           <a:lstStyle/>
           <a:p>
+            <a:pPr indent="0" marL="0">
+              <a:lnSpc>
+                <a:spcPts val="150"/>
+              </a:lnSpc>
+              <a:buNone/>
+            </a:pPr>
             <a:r>
               <a:rPr lang="en-US" sz="2400" dirty="0">
                 <a:solidFill>
@@ -2551,105 +1823,7 @@
                 <a:ea typeface="Arial" pitchFamily="34" charset="-122"/>
                 <a:cs typeface="Arial" pitchFamily="34" charset="-120"/>
               </a:rPr>
-              <a:t>Crucial Need for Governance: Developing guidelines and regulations for responsible development and deployment.</a:t>
-            </a:r>
-            <a:pPr indent="0" marL="0">
-              <a:buNone/>
-            </a:pPr>
-            <a:r>
-              <a:rPr lang="en-US" sz="2400" dirty="0">
-                <a:solidFill>
-                  <a:srgbClr val="363636"/>
-                </a:solidFill>
-                <a:latin typeface="Arial" pitchFamily="34" charset="0"/>
-                <a:ea typeface="Arial" pitchFamily="34" charset="-122"/>
-                <a:cs typeface="Arial" pitchFamily="34" charset="-120"/>
-              </a:rPr>
-              <a:t>Key Principles:</a:t>
-            </a:r>
-            <a:pPr indent="0" marL="0">
-              <a:buNone/>
-            </a:pPr>
-            <a:r>
-              <a:rPr lang="en-US" sz="2400" dirty="0">
-                <a:solidFill>
-                  <a:srgbClr val="363636"/>
-                </a:solidFill>
-                <a:latin typeface="Arial" pitchFamily="34" charset="0"/>
-                <a:ea typeface="Arial" pitchFamily="34" charset="-122"/>
-                <a:cs typeface="Arial" pitchFamily="34" charset="-120"/>
-              </a:rPr>
-              <a:t>Transparency: Understanding how models work and make decisions.</a:t>
-            </a:r>
-            <a:pPr indent="0" marL="0">
-              <a:buNone/>
-            </a:pPr>
-            <a:r>
-              <a:rPr lang="en-US" sz="2400" dirty="0">
-                <a:solidFill>
-                  <a:srgbClr val="363636"/>
-                </a:solidFill>
-                <a:latin typeface="Arial" pitchFamily="34" charset="0"/>
-                <a:ea typeface="Arial" pitchFamily="34" charset="-122"/>
-                <a:cs typeface="Arial" pitchFamily="34" charset="-120"/>
-              </a:rPr>
-              <a:t>Fairness: Mitigating bias and ensuring equitable outcomes.</a:t>
-            </a:r>
-            <a:pPr indent="0" marL="0">
-              <a:buNone/>
-            </a:pPr>
-            <a:r>
-              <a:rPr lang="en-US" sz="2400" dirty="0">
-                <a:solidFill>
-                  <a:srgbClr val="363636"/>
-                </a:solidFill>
-                <a:latin typeface="Arial" pitchFamily="34" charset="0"/>
-                <a:ea typeface="Arial" pitchFamily="34" charset="-122"/>
-                <a:cs typeface="Arial" pitchFamily="34" charset="-120"/>
-              </a:rPr>
-              <a:t>Accountability: Defining responsibility for AI-generated content and actions.</a:t>
-            </a:r>
-            <a:pPr indent="0" marL="0">
-              <a:buNone/>
-            </a:pPr>
-            <a:r>
-              <a:rPr lang="en-US" sz="2400" dirty="0">
-                <a:solidFill>
-                  <a:srgbClr val="363636"/>
-                </a:solidFill>
-                <a:latin typeface="Arial" pitchFamily="34" charset="0"/>
-                <a:ea typeface="Arial" pitchFamily="34" charset="-122"/>
-                <a:cs typeface="Arial" pitchFamily="34" charset="-120"/>
-              </a:rPr>
-              <a:t>Privacy: Protecting user data.</a:t>
-            </a:r>
-            <a:pPr indent="0" marL="0">
-              <a:buNone/>
-            </a:pPr>
-            <a:r>
-              <a:rPr lang="en-US" sz="2400" dirty="0">
-                <a:solidFill>
-                  <a:srgbClr val="363636"/>
-                </a:solidFill>
-                <a:latin typeface="Arial" pitchFamily="34" charset="0"/>
-                <a:ea typeface="Arial" pitchFamily="34" charset="-122"/>
-                <a:cs typeface="Arial" pitchFamily="34" charset="-120"/>
-              </a:rPr>
-              <a:t>Security: Preventing malicious use.</a:t>
-            </a:r>
-            <a:pPr indent="0" marL="0">
-              <a:buNone/>
-            </a:pPr>
-            <a:r>
-              <a:rPr lang="en-US" sz="2400" dirty="0">
-                <a:solidFill>
-                  <a:srgbClr val="363636"/>
-                </a:solidFill>
-                <a:latin typeface="Arial" pitchFamily="34" charset="0"/>
-                <a:ea typeface="Arial" pitchFamily="34" charset="-122"/>
-                <a:cs typeface="Arial" pitchFamily="34" charset="-120"/>
-              </a:rPr>
-              <a:t>Human Oversight: Maintaining human control and judgment in critical applications.</a:t>
+              <a:t>The primary targets were civilians associated with the Amarnath Yatra. Reports indicate around 30 people were killed, including pilgrims, local vendors, and mule owners assisting the pilgrimage. Many others were injured. The attack aimed to disrupt the pilgrimage and incite fear.</a:t>
             </a:r>
             <a:endParaRPr lang="en-US" sz="2400" dirty="0"/>
           </a:p>
@@ -2663,9 +1837,9 @@
 </p:sld>
 </file>
 
-<file path=ppt/slides/slide13.xml><?xml version="1.0" encoding="utf-8"?>
+<file path=ppt/slides/slide5.xml><?xml version="1.0" encoding="utf-8"?>
 <p:sld xmlns:a="http://schemas.openxmlformats.org/drawingml/2006/main" xmlns:r="http://schemas.openxmlformats.org/officeDocument/2006/relationships" xmlns:p="http://schemas.openxmlformats.org/presentationml/2006/main">
-  <p:cSld name="Slide 13">
+  <p:cSld name="Slide 5">
     <p:bg>
       <p:bgPr>
         <a:solidFill>
@@ -2695,8 +1869,8 @@
         </p:nvSpPr>
         <p:spPr>
           <a:xfrm>
-            <a:off x="457200" y="914400"/>
-            <a:ext cx="8229600" cy="1371600"/>
+            <a:off x="457200" y="257175"/>
+            <a:ext cx="8229600" cy="0"/>
           </a:xfrm>
           <a:prstGeom prst="rect">
             <a:avLst/>
@@ -2712,7 +1886,7 @@
               <a:buNone/>
             </a:pPr>
             <a:r>
-              <a:rPr lang="en-US" sz="3600" b="1" dirty="0">
+              <a:rPr lang="en-US" sz="3200" b="1" dirty="0">
                 <a:solidFill>
                   <a:srgbClr val="363636"/>
                 </a:solidFill>
@@ -2720,9 +1894,9 @@
                 <a:ea typeface="Arial" pitchFamily="34" charset="-122"/>
                 <a:cs typeface="Arial" pitchFamily="34" charset="-120"/>
               </a:rPr>
-              <a:t>The Future of Generative AI</a:t>
-            </a:r>
-            <a:endParaRPr lang="en-US" sz="3600" dirty="0"/>
+              <a:t>Attribution and Immediate Aftermath</a:t>
+            </a:r>
+            <a:endParaRPr lang="en-US" sz="3200" dirty="0"/>
           </a:p>
         </p:txBody>
       </p:sp>
@@ -2734,8 +1908,8 @@
         </p:nvSpPr>
         <p:spPr>
           <a:xfrm>
-            <a:off x="457200" y="2560320"/>
-            <a:ext cx="8229600" cy="3657600"/>
+            <a:off x="457200" y="1285875"/>
+            <a:ext cx="8229600" cy="3600450"/>
           </a:xfrm>
           <a:prstGeom prst="rect">
             <a:avLst/>
@@ -2747,6 +1921,12 @@
           <a:bodyPr wrap="square" rtlCol="0" anchor="ctr"/>
           <a:lstStyle/>
           <a:p>
+            <a:pPr indent="0" marL="0">
+              <a:lnSpc>
+                <a:spcPts val="150"/>
+              </a:lnSpc>
+              <a:buNone/>
+            </a:pPr>
             <a:r>
               <a:rPr lang="en-US" sz="2400" dirty="0">
                 <a:solidFill>
@@ -2756,77 +1936,7 @@
                 <a:ea typeface="Arial" pitchFamily="34" charset="-122"/>
                 <a:cs typeface="Arial" pitchFamily="34" charset="-120"/>
               </a:rPr>
-              <a:t>Increased Multimodality: Models seamlessly integrating text, image, audio, and video understanding/generation.</a:t>
-            </a:r>
-            <a:pPr indent="0" marL="0">
-              <a:buNone/>
-            </a:pPr>
-            <a:r>
-              <a:rPr lang="en-US" sz="2400" dirty="0">
-                <a:solidFill>
-                  <a:srgbClr val="363636"/>
-                </a:solidFill>
-                <a:latin typeface="Arial" pitchFamily="34" charset="0"/>
-                <a:ea typeface="Arial" pitchFamily="34" charset="-122"/>
-                <a:cs typeface="Arial" pitchFamily="34" charset="-120"/>
-              </a:rPr>
-              <a:t>Enhanced Personalization: Highly tailored AI assistants and content experiences.</a:t>
-            </a:r>
-            <a:pPr indent="0" marL="0">
-              <a:buNone/>
-            </a:pPr>
-            <a:r>
-              <a:rPr lang="en-US" sz="2400" dirty="0">
-                <a:solidFill>
-                  <a:srgbClr val="363636"/>
-                </a:solidFill>
-                <a:latin typeface="Arial" pitchFamily="34" charset="0"/>
-                <a:ea typeface="Arial" pitchFamily="34" charset="-122"/>
-                <a:cs typeface="Arial" pitchFamily="34" charset="-120"/>
-              </a:rPr>
-              <a:t>Deeper Integration: GenAI embedded within existing software and workflows.</a:t>
-            </a:r>
-            <a:pPr indent="0" marL="0">
-              <a:buNone/>
-            </a:pPr>
-            <a:r>
-              <a:rPr lang="en-US" sz="2400" dirty="0">
-                <a:solidFill>
-                  <a:srgbClr val="363636"/>
-                </a:solidFill>
-                <a:latin typeface="Arial" pitchFamily="34" charset="0"/>
-                <a:ea typeface="Arial" pitchFamily="34" charset="-122"/>
-                <a:cs typeface="Arial" pitchFamily="34" charset="-120"/>
-              </a:rPr>
-              <a:t>Improved Controllability &amp; Reliability: More predictable and steerable outputs.</a:t>
-            </a:r>
-            <a:pPr indent="0" marL="0">
-              <a:buNone/>
-            </a:pPr>
-            <a:r>
-              <a:rPr lang="en-US" sz="2400" dirty="0">
-                <a:solidFill>
-                  <a:srgbClr val="363636"/>
-                </a:solidFill>
-                <a:latin typeface="Arial" pitchFamily="34" charset="0"/>
-                <a:ea typeface="Arial" pitchFamily="34" charset="-122"/>
-                <a:cs typeface="Arial" pitchFamily="34" charset="-120"/>
-              </a:rPr>
-              <a:t>Democratization: Easier access to powerful GenAI tools.</a:t>
-            </a:r>
-            <a:pPr indent="0" marL="0">
-              <a:buNone/>
-            </a:pPr>
-            <a:r>
-              <a:rPr lang="en-US" sz="2400" dirty="0">
-                <a:solidFill>
-                  <a:srgbClr val="363636"/>
-                </a:solidFill>
-                <a:latin typeface="Arial" pitchFamily="34" charset="0"/>
-                <a:ea typeface="Arial" pitchFamily="34" charset="-122"/>
-                <a:cs typeface="Arial" pitchFamily="34" charset="-120"/>
-              </a:rPr>
-              <a:t>Ongoing Research: Pushing boundaries in model efficiency, reasoning, and safety.</a:t>
+              <a:t>Responsibility for the attack was widely attributed to Pakistan-based militant groups, notably Lashkar-e-Taiba (LeT), although denials were issued. The incident caused widespread shock and condemnation. Security forces launched operations, and security measures for the Amarnath Yatra were significantly heightened in subsequent years.</a:t>
             </a:r>
             <a:endParaRPr lang="en-US" sz="2400" dirty="0"/>
           </a:p>
@@ -2840,9 +1950,9 @@
 </p:sld>
 </file>
 
-<file path=ppt/slides/slide14.xml><?xml version="1.0" encoding="utf-8"?>
+<file path=ppt/slides/slide6.xml><?xml version="1.0" encoding="utf-8"?>
 <p:sld xmlns:a="http://schemas.openxmlformats.org/drawingml/2006/main" xmlns:r="http://schemas.openxmlformats.org/officeDocument/2006/relationships" xmlns:p="http://schemas.openxmlformats.org/presentationml/2006/main">
-  <p:cSld name="Slide 14">
+  <p:cSld name="Slide 6">
     <p:bg>
       <p:bgPr>
         <a:solidFill>
@@ -2872,8 +1982,8 @@
         </p:nvSpPr>
         <p:spPr>
           <a:xfrm>
-            <a:off x="457200" y="914400"/>
-            <a:ext cx="8229600" cy="1371600"/>
+            <a:off x="457200" y="257175"/>
+            <a:ext cx="8229600" cy="0"/>
           </a:xfrm>
           <a:prstGeom prst="rect">
             <a:avLst/>
@@ -2889,7 +1999,7 @@
               <a:buNone/>
             </a:pPr>
             <a:r>
-              <a:rPr lang="en-US" sz="3600" b="1" dirty="0">
+              <a:rPr lang="en-US" sz="3200" b="1" dirty="0">
                 <a:solidFill>
                   <a:srgbClr val="363636"/>
                 </a:solidFill>
@@ -2897,9 +2007,9 @@
                 <a:ea typeface="Arial" pitchFamily="34" charset="-122"/>
                 <a:cs typeface="Arial" pitchFamily="34" charset="-120"/>
               </a:rPr>
-              <a:t>Conclusion: Embracing the Generative Era</a:t>
-            </a:r>
-            <a:endParaRPr lang="en-US" sz="3600" dirty="0"/>
+              <a:t>Significance and Impact</a:t>
+            </a:r>
+            <a:endParaRPr lang="en-US" sz="3200" dirty="0"/>
           </a:p>
         </p:txBody>
       </p:sp>
@@ -2911,8 +2021,8 @@
         </p:nvSpPr>
         <p:spPr>
           <a:xfrm>
-            <a:off x="457200" y="2560320"/>
-            <a:ext cx="8229600" cy="3657600"/>
+            <a:off x="457200" y="1285875"/>
+            <a:ext cx="8229600" cy="3600450"/>
           </a:xfrm>
           <a:prstGeom prst="rect">
             <a:avLst/>
@@ -2924,6 +2034,12 @@
           <a:bodyPr wrap="square" rtlCol="0" anchor="ctr"/>
           <a:lstStyle/>
           <a:p>
+            <a:pPr indent="0" marL="0">
+              <a:lnSpc>
+                <a:spcPts val="150"/>
+              </a:lnSpc>
+              <a:buNone/>
+            </a:pPr>
             <a:r>
               <a:rPr lang="en-US" sz="2400" dirty="0">
                 <a:solidFill>
@@ -2933,49 +2049,7 @@
                 <a:ea typeface="Arial" pitchFamily="34" charset="-122"/>
                 <a:cs typeface="Arial" pitchFamily="34" charset="-120"/>
               </a:rPr>
-              <a:t>Transformative Potential: GenAI is poised to reshape industries and redefine creative processes.</a:t>
-            </a:r>
-            <a:pPr indent="0" marL="0">
-              <a:buNone/>
-            </a:pPr>
-            <a:r>
-              <a:rPr lang="en-US" sz="2400" dirty="0">
-                <a:solidFill>
-                  <a:srgbClr val="363636"/>
-                </a:solidFill>
-                <a:latin typeface="Arial" pitchFamily="34" charset="0"/>
-                <a:ea typeface="Arial" pitchFamily="34" charset="-122"/>
-                <a:cs typeface="Arial" pitchFamily="34" charset="-120"/>
-              </a:rPr>
-              <a:t>Balancing Innovation &amp; Responsibility: Harnessing benefits while proactively addressing ethical challenges and risks is paramount.</a:t>
-            </a:r>
-            <a:pPr indent="0" marL="0">
-              <a:buNone/>
-            </a:pPr>
-            <a:r>
-              <a:rPr lang="en-US" sz="2400" dirty="0">
-                <a:solidFill>
-                  <a:srgbClr val="363636"/>
-                </a:solidFill>
-                <a:latin typeface="Arial" pitchFamily="34" charset="0"/>
-                <a:ea typeface="Arial" pitchFamily="34" charset="-122"/>
-                <a:cs typeface="Arial" pitchFamily="34" charset="-120"/>
-              </a:rPr>
-              <a:t>Continuous Learning: The field is evolving rapidly, requiring ongoing adaptation and understanding.</a:t>
-            </a:r>
-            <a:pPr indent="0" marL="0">
-              <a:buNone/>
-            </a:pPr>
-            <a:r>
-              <a:rPr lang="en-US" sz="2400" dirty="0">
-                <a:solidFill>
-                  <a:srgbClr val="363636"/>
-                </a:solidFill>
-                <a:latin typeface="Arial" pitchFamily="34" charset="0"/>
-                <a:ea typeface="Arial" pitchFamily="34" charset="-122"/>
-                <a:cs typeface="Arial" pitchFamily="34" charset="-120"/>
-              </a:rPr>
-              <a:t>Strategic Adoption: Organizations need a thoughtful approach to integrate GenAI effectively and ethically.</a:t>
+              <a:t>The 2000 Pahalgam attack remains a stark reminder of the violence faced in the region. It highlighted the vulnerability of the Amarnath Yatra and led to long-term changes in security protocols. The event underscored the tragic human cost of the conflict, impacting both pilgrims and the local Kashmiri population involved in supporting the Yatra.</a:t>
             </a:r>
             <a:endParaRPr lang="en-US" sz="2400" dirty="0"/>
           </a:p>
@@ -2989,9 +2063,9 @@
 </p:sld>
 </file>
 
-<file path=ppt/slides/slide2.xml><?xml version="1.0" encoding="utf-8"?>
+<file path=ppt/slides/slide7.xml><?xml version="1.0" encoding="utf-8"?>
 <p:sld xmlns:a="http://schemas.openxmlformats.org/drawingml/2006/main" xmlns:r="http://schemas.openxmlformats.org/officeDocument/2006/relationships" xmlns:p="http://schemas.openxmlformats.org/presentationml/2006/main">
-  <p:cSld name="Slide 2">
+  <p:cSld name="Slide 7">
     <p:bg>
       <p:bgPr>
         <a:solidFill>
@@ -3021,8 +2095,8 @@
         </p:nvSpPr>
         <p:spPr>
           <a:xfrm>
-            <a:off x="457200" y="914400"/>
-            <a:ext cx="8229600" cy="1371600"/>
+            <a:off x="457200" y="257175"/>
+            <a:ext cx="8229600" cy="0"/>
           </a:xfrm>
           <a:prstGeom prst="rect">
             <a:avLst/>
@@ -3038,7 +2112,7 @@
               <a:buNone/>
             </a:pPr>
             <a:r>
-              <a:rPr lang="en-US" sz="3600" b="1" dirty="0">
+              <a:rPr lang="en-US" sz="3200" b="1" dirty="0">
                 <a:solidFill>
                   <a:srgbClr val="363636"/>
                 </a:solidFill>
@@ -3046,9 +2120,9 @@
                 <a:ea typeface="Arial" pitchFamily="34" charset="-122"/>
                 <a:cs typeface="Arial" pitchFamily="34" charset="-120"/>
               </a:rPr>
-              <a:t>Introduction to Generative AI (GenAI)</a:t>
-            </a:r>
-            <a:endParaRPr lang="en-US" sz="3600" dirty="0"/>
+              <a:t>Conclusion</a:t>
+            </a:r>
+            <a:endParaRPr lang="en-US" sz="3200" dirty="0"/>
           </a:p>
         </p:txBody>
       </p:sp>
@@ -3060,8 +2134,8 @@
         </p:nvSpPr>
         <p:spPr>
           <a:xfrm>
-            <a:off x="457200" y="2560320"/>
-            <a:ext cx="8229600" cy="3657600"/>
+            <a:off x="457200" y="1285875"/>
+            <a:ext cx="8229600" cy="3600450"/>
           </a:xfrm>
           <a:prstGeom prst="rect">
             <a:avLst/>
@@ -3073,6 +2147,12 @@
           <a:bodyPr wrap="square" rtlCol="0" anchor="ctr"/>
           <a:lstStyle/>
           <a:p>
+            <a:pPr indent="0" marL="0">
+              <a:lnSpc>
+                <a:spcPts val="150"/>
+              </a:lnSpc>
+              <a:buNone/>
+            </a:pPr>
             <a:r>
               <a:rPr lang="en-US" sz="2400" dirty="0">
                 <a:solidFill>
@@ -3082,1134 +2162,7 @@
                 <a:ea typeface="Arial" pitchFamily="34" charset="-122"/>
                 <a:cs typeface="Arial" pitchFamily="34" charset="-120"/>
               </a:rPr>
-              <a:t>Defining GenAI: AI systems capable of creating novel content (text, images, audio, code, etc.) based on patterns learned from training data.</a:t>
-            </a:r>
-            <a:pPr indent="0" marL="0">
-              <a:buNone/>
-            </a:pPr>
-            <a:r>
-              <a:rPr lang="en-US" sz="2400" dirty="0">
-                <a:solidFill>
-                  <a:srgbClr val="363636"/>
-                </a:solidFill>
-                <a:latin typeface="Arial" pitchFamily="34" charset="0"/>
-                <a:ea typeface="Arial" pitchFamily="34" charset="-122"/>
-                <a:cs typeface="Arial" pitchFamily="34" charset="-120"/>
-              </a:rPr>
-              <a:t>Significance: A transformative technology driving innovation across industries.</a:t>
-            </a:r>
-            <a:pPr indent="0" marL="0">
-              <a:buNone/>
-            </a:pPr>
-            <a:r>
-              <a:rPr lang="en-US" sz="2400" dirty="0">
-                <a:solidFill>
-                  <a:srgbClr val="363636"/>
-                </a:solidFill>
-                <a:latin typeface="Arial" pitchFamily="34" charset="0"/>
-                <a:ea typeface="Arial" pitchFamily="34" charset="-122"/>
-                <a:cs typeface="Arial" pitchFamily="34" charset="-120"/>
-              </a:rPr>
-              <a:t>Presentation Goal: To provide a comprehensive overview of GenAI, its workings, applications, benefits, challenges, and future outlook.</a:t>
-            </a:r>
-            <a:endParaRPr lang="en-US" sz="2400" dirty="0"/>
-          </a:p>
-        </p:txBody>
-      </p:sp>
-    </p:spTree>
-  </p:cSld>
-  <p:clrMapOvr>
-    <a:masterClrMapping/>
-  </p:clrMapOvr>
-</p:sld>
-</file>
-
-<file path=ppt/slides/slide3.xml><?xml version="1.0" encoding="utf-8"?>
-<p:sld xmlns:a="http://schemas.openxmlformats.org/drawingml/2006/main" xmlns:r="http://schemas.openxmlformats.org/officeDocument/2006/relationships" xmlns:p="http://schemas.openxmlformats.org/presentationml/2006/main">
-  <p:cSld name="Slide 3">
-    <p:bg>
-      <p:bgPr>
-        <a:solidFill>
-          <a:srgbClr val="FFFFFF"/>
-        </a:solidFill>
-      </p:bgPr>
-    </p:bg>
-    <p:spTree>
-      <p:nvGrpSpPr>
-        <p:cNvPr id="1" name=""/>
-        <p:cNvGrpSpPr/>
-        <p:nvPr/>
-      </p:nvGrpSpPr>
-      <p:grpSpPr>
-        <a:xfrm>
-          <a:off x="0" y="0"/>
-          <a:ext cx="0" cy="0"/>
-          <a:chOff x="0" y="0"/>
-          <a:chExt cx="0" cy="0"/>
-        </a:xfrm>
-      </p:grpSpPr>
-      <p:sp>
-        <p:nvSpPr>
-          <p:cNvPr id="2" name="Text 0"/>
-          <p:cNvSpPr/>
-          <p:nvPr/>
-        </p:nvSpPr>
-        <p:spPr>
-          <a:xfrm>
-            <a:off x="457200" y="914400"/>
-            <a:ext cx="8229600" cy="1371600"/>
-          </a:xfrm>
-          <a:prstGeom prst="rect">
-            <a:avLst/>
-          </a:prstGeom>
-          <a:noFill/>
-          <a:ln/>
-        </p:spPr>
-        <p:txBody>
-          <a:bodyPr wrap="square" rtlCol="0" anchor="ctr"/>
-          <a:lstStyle/>
-          <a:p>
-            <a:pPr algn="ctr" indent="0" marL="0">
-              <a:buNone/>
-            </a:pPr>
-            <a:r>
-              <a:rPr lang="en-US" sz="3600" b="1" dirty="0">
-                <a:solidFill>
-                  <a:srgbClr val="363636"/>
-                </a:solidFill>
-                <a:latin typeface="Arial" pitchFamily="34" charset="0"/>
-                <a:ea typeface="Arial" pitchFamily="34" charset="-122"/>
-                <a:cs typeface="Arial" pitchFamily="34" charset="-120"/>
-              </a:rPr>
-              <a:t>What is Generative AI?</a:t>
-            </a:r>
-            <a:endParaRPr lang="en-US" sz="3600" dirty="0"/>
-          </a:p>
-        </p:txBody>
-      </p:sp>
-      <p:sp>
-        <p:nvSpPr>
-          <p:cNvPr id="3" name="Text 1"/>
-          <p:cNvSpPr/>
-          <p:nvPr/>
-        </p:nvSpPr>
-        <p:spPr>
-          <a:xfrm>
-            <a:off x="457200" y="2560320"/>
-            <a:ext cx="8229600" cy="3657600"/>
-          </a:xfrm>
-          <a:prstGeom prst="rect">
-            <a:avLst/>
-          </a:prstGeom>
-          <a:noFill/>
-          <a:ln/>
-        </p:spPr>
-        <p:txBody>
-          <a:bodyPr wrap="square" rtlCol="0" anchor="ctr"/>
-          <a:lstStyle/>
-          <a:p>
-            <a:r>
-              <a:rPr lang="en-US" sz="2400" dirty="0">
-                <a:solidFill>
-                  <a:srgbClr val="363636"/>
-                </a:solidFill>
-                <a:latin typeface="Arial" pitchFamily="34" charset="0"/>
-                <a:ea typeface="Arial" pitchFamily="34" charset="-122"/>
-                <a:cs typeface="Arial" pitchFamily="34" charset="-120"/>
-              </a:rPr>
-              <a:t>Core Concept: Algorithms that learn the underlying distribution of data to generate new, synthetic data points resembling the original dataset.</a:t>
-            </a:r>
-            <a:pPr indent="0" marL="0">
-              <a:buNone/>
-            </a:pPr>
-            <a:r>
-              <a:rPr lang="en-US" sz="2400" dirty="0">
-                <a:solidFill>
-                  <a:srgbClr val="363636"/>
-                </a:solidFill>
-                <a:latin typeface="Arial" pitchFamily="34" charset="0"/>
-                <a:ea typeface="Arial" pitchFamily="34" charset="-122"/>
-                <a:cs typeface="Arial" pitchFamily="34" charset="-120"/>
-              </a:rPr>
-              <a:t>Distinction: Differs from discriminative AI (which classifies or predicts based on input) by focusing on *creation* rather than *recognition*.</a:t>
-            </a:r>
-            <a:pPr indent="0" marL="0">
-              <a:buNone/>
-            </a:pPr>
-            <a:r>
-              <a:rPr lang="en-US" sz="2400" dirty="0">
-                <a:solidFill>
-                  <a:srgbClr val="363636"/>
-                </a:solidFill>
-                <a:latin typeface="Arial" pitchFamily="34" charset="0"/>
-                <a:ea typeface="Arial" pitchFamily="34" charset="-122"/>
-                <a:cs typeface="Arial" pitchFamily="34" charset="-120"/>
-              </a:rPr>
-              <a:t>Examples: Generating realistic images from text descriptions, writing human-like text, composing music.</a:t>
-            </a:r>
-            <a:endParaRPr lang="en-US" sz="2400" dirty="0"/>
-          </a:p>
-        </p:txBody>
-      </p:sp>
-    </p:spTree>
-  </p:cSld>
-  <p:clrMapOvr>
-    <a:masterClrMapping/>
-  </p:clrMapOvr>
-</p:sld>
-</file>
-
-<file path=ppt/slides/slide4.xml><?xml version="1.0" encoding="utf-8"?>
-<p:sld xmlns:a="http://schemas.openxmlformats.org/drawingml/2006/main" xmlns:r="http://schemas.openxmlformats.org/officeDocument/2006/relationships" xmlns:p="http://schemas.openxmlformats.org/presentationml/2006/main">
-  <p:cSld name="Slide 4">
-    <p:bg>
-      <p:bgPr>
-        <a:solidFill>
-          <a:srgbClr val="FFFFFF"/>
-        </a:solidFill>
-      </p:bgPr>
-    </p:bg>
-    <p:spTree>
-      <p:nvGrpSpPr>
-        <p:cNvPr id="1" name=""/>
-        <p:cNvGrpSpPr/>
-        <p:nvPr/>
-      </p:nvGrpSpPr>
-      <p:grpSpPr>
-        <a:xfrm>
-          <a:off x="0" y="0"/>
-          <a:ext cx="0" cy="0"/>
-          <a:chOff x="0" y="0"/>
-          <a:chExt cx="0" cy="0"/>
-        </a:xfrm>
-      </p:grpSpPr>
-      <p:sp>
-        <p:nvSpPr>
-          <p:cNvPr id="2" name="Text 0"/>
-          <p:cNvSpPr/>
-          <p:nvPr/>
-        </p:nvSpPr>
-        <p:spPr>
-          <a:xfrm>
-            <a:off x="457200" y="914400"/>
-            <a:ext cx="8229600" cy="1371600"/>
-          </a:xfrm>
-          <a:prstGeom prst="rect">
-            <a:avLst/>
-          </a:prstGeom>
-          <a:noFill/>
-          <a:ln/>
-        </p:spPr>
-        <p:txBody>
-          <a:bodyPr wrap="square" rtlCol="0" anchor="ctr"/>
-          <a:lstStyle/>
-          <a:p>
-            <a:pPr algn="ctr" indent="0" marL="0">
-              <a:buNone/>
-            </a:pPr>
-            <a:r>
-              <a:rPr lang="en-US" sz="3600" b="1" dirty="0">
-                <a:solidFill>
-                  <a:srgbClr val="363636"/>
-                </a:solidFill>
-                <a:latin typeface="Arial" pitchFamily="34" charset="0"/>
-                <a:ea typeface="Arial" pitchFamily="34" charset="-122"/>
-                <a:cs typeface="Arial" pitchFamily="34" charset="-120"/>
-              </a:rPr>
-              <a:t>How Does GenAI Work? Foundational Concepts</a:t>
-            </a:r>
-            <a:endParaRPr lang="en-US" sz="3600" dirty="0"/>
-          </a:p>
-        </p:txBody>
-      </p:sp>
-      <p:sp>
-        <p:nvSpPr>
-          <p:cNvPr id="3" name="Text 1"/>
-          <p:cNvSpPr/>
-          <p:nvPr/>
-        </p:nvSpPr>
-        <p:spPr>
-          <a:xfrm>
-            <a:off x="457200" y="2560320"/>
-            <a:ext cx="8229600" cy="3657600"/>
-          </a:xfrm>
-          <a:prstGeom prst="rect">
-            <a:avLst/>
-          </a:prstGeom>
-          <a:noFill/>
-          <a:ln/>
-        </p:spPr>
-        <p:txBody>
-          <a:bodyPr wrap="square" rtlCol="0" anchor="ctr"/>
-          <a:lstStyle/>
-          <a:p>
-            <a:r>
-              <a:rPr lang="en-US" sz="2400" dirty="0">
-                <a:solidFill>
-                  <a:srgbClr val="363636"/>
-                </a:solidFill>
-                <a:latin typeface="Arial" pitchFamily="34" charset="0"/>
-                <a:ea typeface="Arial" pitchFamily="34" charset="-122"/>
-                <a:cs typeface="Arial" pitchFamily="34" charset="-120"/>
-              </a:rPr>
-              <a:t>Learning Patterns: Models are trained on vast datasets to identify complex patterns, structures, and relationships.</a:t>
-            </a:r>
-            <a:pPr indent="0" marL="0">
-              <a:buNone/>
-            </a:pPr>
-            <a:r>
-              <a:rPr lang="en-US" sz="2400" dirty="0">
-                <a:solidFill>
-                  <a:srgbClr val="363636"/>
-                </a:solidFill>
-                <a:latin typeface="Arial" pitchFamily="34" charset="0"/>
-                <a:ea typeface="Arial" pitchFamily="34" charset="-122"/>
-                <a:cs typeface="Arial" pitchFamily="34" charset="-120"/>
-              </a:rPr>
-              <a:t>Key Architectures:</a:t>
-            </a:r>
-            <a:pPr indent="0" marL="0">
-              <a:buNone/>
-            </a:pPr>
-            <a:r>
-              <a:rPr lang="en-US" sz="2400" dirty="0">
-                <a:solidFill>
-                  <a:srgbClr val="363636"/>
-                </a:solidFill>
-                <a:latin typeface="Arial" pitchFamily="34" charset="0"/>
-                <a:ea typeface="Arial" pitchFamily="34" charset="-122"/>
-                <a:cs typeface="Arial" pitchFamily="34" charset="-120"/>
-              </a:rPr>
-              <a:t>Transformers (e.g., GPT, BERT): Excel at sequence data (text, code).</a:t>
-            </a:r>
-            <a:pPr indent="0" marL="0">
-              <a:buNone/>
-            </a:pPr>
-            <a:r>
-              <a:rPr lang="en-US" sz="2400" dirty="0">
-                <a:solidFill>
-                  <a:srgbClr val="363636"/>
-                </a:solidFill>
-                <a:latin typeface="Arial" pitchFamily="34" charset="0"/>
-                <a:ea typeface="Arial" pitchFamily="34" charset="-122"/>
-                <a:cs typeface="Arial" pitchFamily="34" charset="-120"/>
-              </a:rPr>
-              <a:t>Generative Adversarial Networks (GANs): Use a generator and discriminator for realistic output (often images).</a:t>
-            </a:r>
-            <a:pPr indent="0" marL="0">
-              <a:buNone/>
-            </a:pPr>
-            <a:r>
-              <a:rPr lang="en-US" sz="2400" dirty="0">
-                <a:solidFill>
-                  <a:srgbClr val="363636"/>
-                </a:solidFill>
-                <a:latin typeface="Arial" pitchFamily="34" charset="0"/>
-                <a:ea typeface="Arial" pitchFamily="34" charset="-122"/>
-                <a:cs typeface="Arial" pitchFamily="34" charset="-120"/>
-              </a:rPr>
-              <a:t>Variational Autoencoders (VAEs): Learn compressed representations for generation.</a:t>
-            </a:r>
-            <a:pPr indent="0" marL="0">
-              <a:buNone/>
-            </a:pPr>
-            <a:r>
-              <a:rPr lang="en-US" sz="2400" dirty="0">
-                <a:solidFill>
-                  <a:srgbClr val="363636"/>
-                </a:solidFill>
-                <a:latin typeface="Arial" pitchFamily="34" charset="0"/>
-                <a:ea typeface="Arial" pitchFamily="34" charset="-122"/>
-                <a:cs typeface="Arial" pitchFamily="34" charset="-120"/>
-              </a:rPr>
-              <a:t>Diffusion Models: Gradually add noise and then learn to reverse the process for high-quality generation (especially images).</a:t>
-            </a:r>
-            <a:endParaRPr lang="en-US" sz="2400" dirty="0"/>
-          </a:p>
-        </p:txBody>
-      </p:sp>
-    </p:spTree>
-  </p:cSld>
-  <p:clrMapOvr>
-    <a:masterClrMapping/>
-  </p:clrMapOvr>
-</p:sld>
-</file>
-
-<file path=ppt/slides/slide5.xml><?xml version="1.0" encoding="utf-8"?>
-<p:sld xmlns:a="http://schemas.openxmlformats.org/drawingml/2006/main" xmlns:r="http://schemas.openxmlformats.org/officeDocument/2006/relationships" xmlns:p="http://schemas.openxmlformats.org/presentationml/2006/main">
-  <p:cSld name="Slide 5">
-    <p:bg>
-      <p:bgPr>
-        <a:solidFill>
-          <a:srgbClr val="FFFFFF"/>
-        </a:solidFill>
-      </p:bgPr>
-    </p:bg>
-    <p:spTree>
-      <p:nvGrpSpPr>
-        <p:cNvPr id="1" name=""/>
-        <p:cNvGrpSpPr/>
-        <p:nvPr/>
-      </p:nvGrpSpPr>
-      <p:grpSpPr>
-        <a:xfrm>
-          <a:off x="0" y="0"/>
-          <a:ext cx="0" cy="0"/>
-          <a:chOff x="0" y="0"/>
-          <a:chExt cx="0" cy="0"/>
-        </a:xfrm>
-      </p:grpSpPr>
-      <p:sp>
-        <p:nvSpPr>
-          <p:cNvPr id="2" name="Text 0"/>
-          <p:cNvSpPr/>
-          <p:nvPr/>
-        </p:nvSpPr>
-        <p:spPr>
-          <a:xfrm>
-            <a:off x="457200" y="914400"/>
-            <a:ext cx="8229600" cy="1371600"/>
-          </a:xfrm>
-          <a:prstGeom prst="rect">
-            <a:avLst/>
-          </a:prstGeom>
-          <a:noFill/>
-          <a:ln/>
-        </p:spPr>
-        <p:txBody>
-          <a:bodyPr wrap="square" rtlCol="0" anchor="ctr"/>
-          <a:lstStyle/>
-          <a:p>
-            <a:pPr algn="ctr" indent="0" marL="0">
-              <a:buNone/>
-            </a:pPr>
-            <a:r>
-              <a:rPr lang="en-US" sz="3600" b="1" dirty="0">
-                <a:solidFill>
-                  <a:srgbClr val="363636"/>
-                </a:solidFill>
-                <a:latin typeface="Arial" pitchFamily="34" charset="0"/>
-                <a:ea typeface="Arial" pitchFamily="34" charset="-122"/>
-                <a:cs typeface="Arial" pitchFamily="34" charset="-120"/>
-              </a:rPr>
-              <a:t>Under the Hood: Transformer Architecture</a:t>
-            </a:r>
-            <a:endParaRPr lang="en-US" sz="3600" dirty="0"/>
-          </a:p>
-        </p:txBody>
-      </p:sp>
-      <p:sp>
-        <p:nvSpPr>
-          <p:cNvPr id="3" name="Text 1"/>
-          <p:cNvSpPr/>
-          <p:nvPr/>
-        </p:nvSpPr>
-        <p:spPr>
-          <a:xfrm>
-            <a:off x="457200" y="2560320"/>
-            <a:ext cx="8229600" cy="3657600"/>
-          </a:xfrm>
-          <a:prstGeom prst="rect">
-            <a:avLst/>
-          </a:prstGeom>
-          <a:noFill/>
-          <a:ln/>
-        </p:spPr>
-        <p:txBody>
-          <a:bodyPr wrap="square" rtlCol="0" anchor="ctr"/>
-          <a:lstStyle/>
-          <a:p>
-            <a:r>
-              <a:rPr lang="en-US" sz="2400" dirty="0">
-                <a:solidFill>
-                  <a:srgbClr val="363636"/>
-                </a:solidFill>
-                <a:latin typeface="Arial" pitchFamily="34" charset="0"/>
-                <a:ea typeface="Arial" pitchFamily="34" charset="-122"/>
-                <a:cs typeface="Arial" pitchFamily="34" charset="-120"/>
-              </a:rPr>
-              <a:t>Self-Attention Mechanism: Allows models to weigh the importance of different words in an input sequence, capturing long-range dependencies.</a:t>
-            </a:r>
-            <a:pPr indent="0" marL="0">
-              <a:buNone/>
-            </a:pPr>
-            <a:r>
-              <a:rPr lang="en-US" sz="2400" dirty="0">
-                <a:solidFill>
-                  <a:srgbClr val="363636"/>
-                </a:solidFill>
-                <a:latin typeface="Arial" pitchFamily="34" charset="0"/>
-                <a:ea typeface="Arial" pitchFamily="34" charset="-122"/>
-                <a:cs typeface="Arial" pitchFamily="34" charset="-120"/>
-              </a:rPr>
-              <a:t>Foundation for Large Language Models (LLMs): Enables understanding context, nuance, and generating coherent, relevant text.</a:t>
-            </a:r>
-            <a:pPr indent="0" marL="0">
-              <a:buNone/>
-            </a:pPr>
-            <a:r>
-              <a:rPr lang="en-US" sz="2400" dirty="0">
-                <a:solidFill>
-                  <a:srgbClr val="363636"/>
-                </a:solidFill>
-                <a:latin typeface="Arial" pitchFamily="34" charset="0"/>
-                <a:ea typeface="Arial" pitchFamily="34" charset="-122"/>
-                <a:cs typeface="Arial" pitchFamily="34" charset="-120"/>
-              </a:rPr>
-              <a:t>Scalability: Transformer models scale effectively with more data and computational power, leading to increasingly capable models.</a:t>
-            </a:r>
-            <a:endParaRPr lang="en-US" sz="2400" dirty="0"/>
-          </a:p>
-        </p:txBody>
-      </p:sp>
-    </p:spTree>
-  </p:cSld>
-  <p:clrMapOvr>
-    <a:masterClrMapping/>
-  </p:clrMapOvr>
-</p:sld>
-</file>
-
-<file path=ppt/slides/slide6.xml><?xml version="1.0" encoding="utf-8"?>
-<p:sld xmlns:a="http://schemas.openxmlformats.org/drawingml/2006/main" xmlns:r="http://schemas.openxmlformats.org/officeDocument/2006/relationships" xmlns:p="http://schemas.openxmlformats.org/presentationml/2006/main">
-  <p:cSld name="Slide 6">
-    <p:bg>
-      <p:bgPr>
-        <a:solidFill>
-          <a:srgbClr val="FFFFFF"/>
-        </a:solidFill>
-      </p:bgPr>
-    </p:bg>
-    <p:spTree>
-      <p:nvGrpSpPr>
-        <p:cNvPr id="1" name=""/>
-        <p:cNvGrpSpPr/>
-        <p:nvPr/>
-      </p:nvGrpSpPr>
-      <p:grpSpPr>
-        <a:xfrm>
-          <a:off x="0" y="0"/>
-          <a:ext cx="0" cy="0"/>
-          <a:chOff x="0" y="0"/>
-          <a:chExt cx="0" cy="0"/>
-        </a:xfrm>
-      </p:grpSpPr>
-      <p:sp>
-        <p:nvSpPr>
-          <p:cNvPr id="2" name="Text 0"/>
-          <p:cNvSpPr/>
-          <p:nvPr/>
-        </p:nvSpPr>
-        <p:spPr>
-          <a:xfrm>
-            <a:off x="457200" y="914400"/>
-            <a:ext cx="8229600" cy="1371600"/>
-          </a:xfrm>
-          <a:prstGeom prst="rect">
-            <a:avLst/>
-          </a:prstGeom>
-          <a:noFill/>
-          <a:ln/>
-        </p:spPr>
-        <p:txBody>
-          <a:bodyPr wrap="square" rtlCol="0" anchor="ctr"/>
-          <a:lstStyle/>
-          <a:p>
-            <a:pPr algn="ctr" indent="0" marL="0">
-              <a:buNone/>
-            </a:pPr>
-            <a:r>
-              <a:rPr lang="en-US" sz="3600" b="1" dirty="0">
-                <a:solidFill>
-                  <a:srgbClr val="363636"/>
-                </a:solidFill>
-                <a:latin typeface="Arial" pitchFamily="34" charset="0"/>
-                <a:ea typeface="Arial" pitchFamily="34" charset="-122"/>
-                <a:cs typeface="Arial" pitchFamily="34" charset="-120"/>
-              </a:rPr>
-              <a:t>Under the Hood: GANs &amp; Diffusion Models</a:t>
-            </a:r>
-            <a:endParaRPr lang="en-US" sz="3600" dirty="0"/>
-          </a:p>
-        </p:txBody>
-      </p:sp>
-      <p:sp>
-        <p:nvSpPr>
-          <p:cNvPr id="3" name="Text 1"/>
-          <p:cNvSpPr/>
-          <p:nvPr/>
-        </p:nvSpPr>
-        <p:spPr>
-          <a:xfrm>
-            <a:off x="457200" y="2560320"/>
-            <a:ext cx="8229600" cy="3657600"/>
-          </a:xfrm>
-          <a:prstGeom prst="rect">
-            <a:avLst/>
-          </a:prstGeom>
-          <a:noFill/>
-          <a:ln/>
-        </p:spPr>
-        <p:txBody>
-          <a:bodyPr wrap="square" rtlCol="0" anchor="ctr"/>
-          <a:lstStyle/>
-          <a:p>
-            <a:r>
-              <a:rPr lang="en-US" sz="2400" dirty="0">
-                <a:solidFill>
-                  <a:srgbClr val="363636"/>
-                </a:solidFill>
-                <a:latin typeface="Arial" pitchFamily="34" charset="0"/>
-                <a:ea typeface="Arial" pitchFamily="34" charset="-122"/>
-                <a:cs typeface="Arial" pitchFamily="34" charset="-120"/>
-              </a:rPr>
-              <a:t>Generative Adversarial Networks (GANs):</a:t>
-            </a:r>
-            <a:pPr indent="0" marL="0">
-              <a:buNone/>
-            </a:pPr>
-            <a:r>
-              <a:rPr lang="en-US" sz="2400" dirty="0">
-                <a:solidFill>
-                  <a:srgbClr val="363636"/>
-                </a:solidFill>
-                <a:latin typeface="Arial" pitchFamily="34" charset="0"/>
-                <a:ea typeface="Arial" pitchFamily="34" charset="-122"/>
-                <a:cs typeface="Arial" pitchFamily="34" charset="-120"/>
-              </a:rPr>
-              <a:t>Two competing networks: Generator (creates fake data) and Discriminator (tries to spot fakes).</a:t>
-            </a:r>
-            <a:pPr indent="0" marL="0">
-              <a:buNone/>
-            </a:pPr>
-            <a:r>
-              <a:rPr lang="en-US" sz="2400" dirty="0">
-                <a:solidFill>
-                  <a:srgbClr val="363636"/>
-                </a:solidFill>
-                <a:latin typeface="Arial" pitchFamily="34" charset="0"/>
-                <a:ea typeface="Arial" pitchFamily="34" charset="-122"/>
-                <a:cs typeface="Arial" pitchFamily="34" charset="-120"/>
-              </a:rPr>
-              <a:t>Drives generator to produce increasingly realistic outputs.</a:t>
-            </a:r>
-            <a:pPr indent="0" marL="0">
-              <a:buNone/>
-            </a:pPr>
-            <a:r>
-              <a:rPr lang="en-US" sz="2400" dirty="0">
-                <a:solidFill>
-                  <a:srgbClr val="363636"/>
-                </a:solidFill>
-                <a:latin typeface="Arial" pitchFamily="34" charset="0"/>
-                <a:ea typeface="Arial" pitchFamily="34" charset="-122"/>
-                <a:cs typeface="Arial" pitchFamily="34" charset="-120"/>
-              </a:rPr>
-              <a:t>Diffusion Models:</a:t>
-            </a:r>
-            <a:pPr indent="0" marL="0">
-              <a:buNone/>
-            </a:pPr>
-            <a:r>
-              <a:rPr lang="en-US" sz="2400" dirty="0">
-                <a:solidFill>
-                  <a:srgbClr val="363636"/>
-                </a:solidFill>
-                <a:latin typeface="Arial" pitchFamily="34" charset="0"/>
-                <a:ea typeface="Arial" pitchFamily="34" charset="-122"/>
-                <a:cs typeface="Arial" pitchFamily="34" charset="-120"/>
-              </a:rPr>
-              <a:t>State-of-the-art for image generation (e.g., DALL-E 2, Stable Diffusion, Midjourney).</a:t>
-            </a:r>
-            <a:pPr indent="0" marL="0">
-              <a:buNone/>
-            </a:pPr>
-            <a:r>
-              <a:rPr lang="en-US" sz="2400" dirty="0">
-                <a:solidFill>
-                  <a:srgbClr val="363636"/>
-                </a:solidFill>
-                <a:latin typeface="Arial" pitchFamily="34" charset="0"/>
-                <a:ea typeface="Arial" pitchFamily="34" charset="-122"/>
-                <a:cs typeface="Arial" pitchFamily="34" charset="-120"/>
-              </a:rPr>
-              <a:t>Process involves adding noise and then learning to denoise, resulting in high fidelity.</a:t>
-            </a:r>
-            <a:endParaRPr lang="en-US" sz="2400" dirty="0"/>
-          </a:p>
-        </p:txBody>
-      </p:sp>
-    </p:spTree>
-  </p:cSld>
-  <p:clrMapOvr>
-    <a:masterClrMapping/>
-  </p:clrMapOvr>
-</p:sld>
-</file>
-
-<file path=ppt/slides/slide7.xml><?xml version="1.0" encoding="utf-8"?>
-<p:sld xmlns:a="http://schemas.openxmlformats.org/drawingml/2006/main" xmlns:r="http://schemas.openxmlformats.org/officeDocument/2006/relationships" xmlns:p="http://schemas.openxmlformats.org/presentationml/2006/main">
-  <p:cSld name="Slide 7">
-    <p:bg>
-      <p:bgPr>
-        <a:solidFill>
-          <a:srgbClr val="FFFFFF"/>
-        </a:solidFill>
-      </p:bgPr>
-    </p:bg>
-    <p:spTree>
-      <p:nvGrpSpPr>
-        <p:cNvPr id="1" name=""/>
-        <p:cNvGrpSpPr/>
-        <p:nvPr/>
-      </p:nvGrpSpPr>
-      <p:grpSpPr>
-        <a:xfrm>
-          <a:off x="0" y="0"/>
-          <a:ext cx="0" cy="0"/>
-          <a:chOff x="0" y="0"/>
-          <a:chExt cx="0" cy="0"/>
-        </a:xfrm>
-      </p:grpSpPr>
-      <p:sp>
-        <p:nvSpPr>
-          <p:cNvPr id="2" name="Text 0"/>
-          <p:cNvSpPr/>
-          <p:nvPr/>
-        </p:nvSpPr>
-        <p:spPr>
-          <a:xfrm>
-            <a:off x="457200" y="914400"/>
-            <a:ext cx="8229600" cy="1371600"/>
-          </a:xfrm>
-          <a:prstGeom prst="rect">
-            <a:avLst/>
-          </a:prstGeom>
-          <a:noFill/>
-          <a:ln/>
-        </p:spPr>
-        <p:txBody>
-          <a:bodyPr wrap="square" rtlCol="0" anchor="ctr"/>
-          <a:lstStyle/>
-          <a:p>
-            <a:pPr algn="ctr" indent="0" marL="0">
-              <a:buNone/>
-            </a:pPr>
-            <a:r>
-              <a:rPr lang="en-US" sz="3600" b="1" dirty="0">
-                <a:solidFill>
-                  <a:srgbClr val="363636"/>
-                </a:solidFill>
-                <a:latin typeface="Arial" pitchFamily="34" charset="0"/>
-                <a:ea typeface="Arial" pitchFamily="34" charset="-122"/>
-                <a:cs typeface="Arial" pitchFamily="34" charset="-120"/>
-              </a:rPr>
-              <a:t>Types of Generative Models &amp; Outputs</a:t>
-            </a:r>
-            <a:endParaRPr lang="en-US" sz="3600" dirty="0"/>
-          </a:p>
-        </p:txBody>
-      </p:sp>
-      <p:sp>
-        <p:nvSpPr>
-          <p:cNvPr id="3" name="Text 1"/>
-          <p:cNvSpPr/>
-          <p:nvPr/>
-        </p:nvSpPr>
-        <p:spPr>
-          <a:xfrm>
-            <a:off x="457200" y="2560320"/>
-            <a:ext cx="8229600" cy="3657600"/>
-          </a:xfrm>
-          <a:prstGeom prst="rect">
-            <a:avLst/>
-          </a:prstGeom>
-          <a:noFill/>
-          <a:ln/>
-        </p:spPr>
-        <p:txBody>
-          <a:bodyPr wrap="square" rtlCol="0" anchor="ctr"/>
-          <a:lstStyle/>
-          <a:p>
-            <a:r>
-              <a:rPr lang="en-US" sz="2400" dirty="0">
-                <a:solidFill>
-                  <a:srgbClr val="363636"/>
-                </a:solidFill>
-                <a:latin typeface="Arial" pitchFamily="34" charset="0"/>
-                <a:ea typeface="Arial" pitchFamily="34" charset="-122"/>
-                <a:cs typeface="Arial" pitchFamily="34" charset="-120"/>
-              </a:rPr>
-              <a:t>GenAI can create diverse content types:</a:t>
-            </a:r>
-            <a:pPr indent="0" marL="0">
-              <a:buNone/>
-            </a:pPr>
-            <a:r>
-              <a:rPr lang="en-US" sz="2400" dirty="0">
-                <a:solidFill>
-                  <a:srgbClr val="363636"/>
-                </a:solidFill>
-                <a:latin typeface="Arial" pitchFamily="34" charset="0"/>
-                <a:ea typeface="Arial" pitchFamily="34" charset="-122"/>
-                <a:cs typeface="Arial" pitchFamily="34" charset="-120"/>
-              </a:rPr>
-              <a:t>Text: Articles, emails, code, summaries, translations, creative writing.</a:t>
-            </a:r>
-            <a:pPr indent="0" marL="0">
-              <a:buNone/>
-            </a:pPr>
-            <a:r>
-              <a:rPr lang="en-US" sz="2400" dirty="0">
-                <a:solidFill>
-                  <a:srgbClr val="363636"/>
-                </a:solidFill>
-                <a:latin typeface="Arial" pitchFamily="34" charset="0"/>
-                <a:ea typeface="Arial" pitchFamily="34" charset="-122"/>
-                <a:cs typeface="Arial" pitchFamily="34" charset="-120"/>
-              </a:rPr>
-              <a:t>Images: Photorealistic images, art, illustrations from text prompts (Text-to-Image).</a:t>
-            </a:r>
-            <a:pPr indent="0" marL="0">
-              <a:buNone/>
-            </a:pPr>
-            <a:r>
-              <a:rPr lang="en-US" sz="2400" dirty="0">
-                <a:solidFill>
-                  <a:srgbClr val="363636"/>
-                </a:solidFill>
-                <a:latin typeface="Arial" pitchFamily="34" charset="0"/>
-                <a:ea typeface="Arial" pitchFamily="34" charset="-122"/>
-                <a:cs typeface="Arial" pitchFamily="34" charset="-120"/>
-              </a:rPr>
-              <a:t>Audio: Music composition, voice synthesis, sound effects.</a:t>
-            </a:r>
-            <a:pPr indent="0" marL="0">
-              <a:buNone/>
-            </a:pPr>
-            <a:r>
-              <a:rPr lang="en-US" sz="2400" dirty="0">
-                <a:solidFill>
-                  <a:srgbClr val="363636"/>
-                </a:solidFill>
-                <a:latin typeface="Arial" pitchFamily="34" charset="0"/>
-                <a:ea typeface="Arial" pitchFamily="34" charset="-122"/>
-                <a:cs typeface="Arial" pitchFamily="34" charset="-120"/>
-              </a:rPr>
-              <a:t>Video: Short clips, animation, video editing effects.</a:t>
-            </a:r>
-            <a:pPr indent="0" marL="0">
-              <a:buNone/>
-            </a:pPr>
-            <a:r>
-              <a:rPr lang="en-US" sz="2400" dirty="0">
-                <a:solidFill>
-                  <a:srgbClr val="363636"/>
-                </a:solidFill>
-                <a:latin typeface="Arial" pitchFamily="34" charset="0"/>
-                <a:ea typeface="Arial" pitchFamily="34" charset="-122"/>
-                <a:cs typeface="Arial" pitchFamily="34" charset="-120"/>
-              </a:rPr>
-              <a:t>Synthetic Data: Creating artificial data for training other AI models, preserving privacy.</a:t>
-            </a:r>
-            <a:endParaRPr lang="en-US" sz="2400" dirty="0"/>
-          </a:p>
-        </p:txBody>
-      </p:sp>
-    </p:spTree>
-  </p:cSld>
-  <p:clrMapOvr>
-    <a:masterClrMapping/>
-  </p:clrMapOvr>
-</p:sld>
-</file>
-
-<file path=ppt/slides/slide8.xml><?xml version="1.0" encoding="utf-8"?>
-<p:sld xmlns:a="http://schemas.openxmlformats.org/drawingml/2006/main" xmlns:r="http://schemas.openxmlformats.org/officeDocument/2006/relationships" xmlns:p="http://schemas.openxmlformats.org/presentationml/2006/main">
-  <p:cSld name="Slide 8">
-    <p:bg>
-      <p:bgPr>
-        <a:solidFill>
-          <a:srgbClr val="FFFFFF"/>
-        </a:solidFill>
-      </p:bgPr>
-    </p:bg>
-    <p:spTree>
-      <p:nvGrpSpPr>
-        <p:cNvPr id="1" name=""/>
-        <p:cNvGrpSpPr/>
-        <p:nvPr/>
-      </p:nvGrpSpPr>
-      <p:grpSpPr>
-        <a:xfrm>
-          <a:off x="0" y="0"/>
-          <a:ext cx="0" cy="0"/>
-          <a:chOff x="0" y="0"/>
-          <a:chExt cx="0" cy="0"/>
-        </a:xfrm>
-      </p:grpSpPr>
-      <p:sp>
-        <p:nvSpPr>
-          <p:cNvPr id="2" name="Text 0"/>
-          <p:cNvSpPr/>
-          <p:nvPr/>
-        </p:nvSpPr>
-        <p:spPr>
-          <a:xfrm>
-            <a:off x="457200" y="914400"/>
-            <a:ext cx="8229600" cy="1371600"/>
-          </a:xfrm>
-          <a:prstGeom prst="rect">
-            <a:avLst/>
-          </a:prstGeom>
-          <a:noFill/>
-          <a:ln/>
-        </p:spPr>
-        <p:txBody>
-          <a:bodyPr wrap="square" rtlCol="0" anchor="ctr"/>
-          <a:lstStyle/>
-          <a:p>
-            <a:pPr algn="ctr" indent="0" marL="0">
-              <a:buNone/>
-            </a:pPr>
-            <a:r>
-              <a:rPr lang="en-US" sz="3600" b="1" dirty="0">
-                <a:solidFill>
-                  <a:srgbClr val="363636"/>
-                </a:solidFill>
-                <a:latin typeface="Arial" pitchFamily="34" charset="0"/>
-                <a:ea typeface="Arial" pitchFamily="34" charset="-122"/>
-                <a:cs typeface="Arial" pitchFamily="34" charset="-120"/>
-              </a:rPr>
-              <a:t>Applications: Text Generation</a:t>
-            </a:r>
-            <a:endParaRPr lang="en-US" sz="3600" dirty="0"/>
-          </a:p>
-        </p:txBody>
-      </p:sp>
-      <p:sp>
-        <p:nvSpPr>
-          <p:cNvPr id="3" name="Text 1"/>
-          <p:cNvSpPr/>
-          <p:nvPr/>
-        </p:nvSpPr>
-        <p:spPr>
-          <a:xfrm>
-            <a:off x="457200" y="2560320"/>
-            <a:ext cx="8229600" cy="3657600"/>
-          </a:xfrm>
-          <a:prstGeom prst="rect">
-            <a:avLst/>
-          </a:prstGeom>
-          <a:noFill/>
-          <a:ln/>
-        </p:spPr>
-        <p:txBody>
-          <a:bodyPr wrap="square" rtlCol="0" anchor="ctr"/>
-          <a:lstStyle/>
-          <a:p>
-            <a:r>
-              <a:rPr lang="en-US" sz="2400" dirty="0">
-                <a:solidFill>
-                  <a:srgbClr val="363636"/>
-                </a:solidFill>
-                <a:latin typeface="Arial" pitchFamily="34" charset="0"/>
-                <a:ea typeface="Arial" pitchFamily="34" charset="-122"/>
-                <a:cs typeface="Arial" pitchFamily="34" charset="-120"/>
-              </a:rPr>
-              <a:t>Content Creation &amp; Marketing: Drafting articles, ad copy, social media posts.</a:t>
-            </a:r>
-            <a:pPr indent="0" marL="0">
-              <a:buNone/>
-            </a:pPr>
-            <a:r>
-              <a:rPr lang="en-US" sz="2400" dirty="0">
-                <a:solidFill>
-                  <a:srgbClr val="363636"/>
-                </a:solidFill>
-                <a:latin typeface="Arial" pitchFamily="34" charset="0"/>
-                <a:ea typeface="Arial" pitchFamily="34" charset="-122"/>
-                <a:cs typeface="Arial" pitchFamily="34" charset="-120"/>
-              </a:rPr>
-              <a:t>Communication: Writing emails, reports, chatbots, virtual assistants.</a:t>
-            </a:r>
-            <a:pPr indent="0" marL="0">
-              <a:buNone/>
-            </a:pPr>
-            <a:r>
-              <a:rPr lang="en-US" sz="2400" dirty="0">
-                <a:solidFill>
-                  <a:srgbClr val="363636"/>
-                </a:solidFill>
-                <a:latin typeface="Arial" pitchFamily="34" charset="0"/>
-                <a:ea typeface="Arial" pitchFamily="34" charset="-122"/>
-                <a:cs typeface="Arial" pitchFamily="34" charset="-120"/>
-              </a:rPr>
-              <a:t>Software Development: Code generation, debugging assistance, documentation.</a:t>
-            </a:r>
-            <a:pPr indent="0" marL="0">
-              <a:buNone/>
-            </a:pPr>
-            <a:r>
-              <a:rPr lang="en-US" sz="2400" dirty="0">
-                <a:solidFill>
-                  <a:srgbClr val="363636"/>
-                </a:solidFill>
-                <a:latin typeface="Arial" pitchFamily="34" charset="0"/>
-                <a:ea typeface="Arial" pitchFamily="34" charset="-122"/>
-                <a:cs typeface="Arial" pitchFamily="34" charset="-120"/>
-              </a:rPr>
-              <a:t>Summarization &amp; Translation: Condensing information, breaking language barriers.</a:t>
-            </a:r>
-            <a:endParaRPr lang="en-US" sz="2400" dirty="0"/>
-          </a:p>
-        </p:txBody>
-      </p:sp>
-    </p:spTree>
-  </p:cSld>
-  <p:clrMapOvr>
-    <a:masterClrMapping/>
-  </p:clrMapOvr>
-</p:sld>
-</file>
-
-<file path=ppt/slides/slide9.xml><?xml version="1.0" encoding="utf-8"?>
-<p:sld xmlns:a="http://schemas.openxmlformats.org/drawingml/2006/main" xmlns:r="http://schemas.openxmlformats.org/officeDocument/2006/relationships" xmlns:p="http://schemas.openxmlformats.org/presentationml/2006/main">
-  <p:cSld name="Slide 9">
-    <p:bg>
-      <p:bgPr>
-        <a:solidFill>
-          <a:srgbClr val="FFFFFF"/>
-        </a:solidFill>
-      </p:bgPr>
-    </p:bg>
-    <p:spTree>
-      <p:nvGrpSpPr>
-        <p:cNvPr id="1" name=""/>
-        <p:cNvGrpSpPr/>
-        <p:nvPr/>
-      </p:nvGrpSpPr>
-      <p:grpSpPr>
-        <a:xfrm>
-          <a:off x="0" y="0"/>
-          <a:ext cx="0" cy="0"/>
-          <a:chOff x="0" y="0"/>
-          <a:chExt cx="0" cy="0"/>
-        </a:xfrm>
-      </p:grpSpPr>
-      <p:sp>
-        <p:nvSpPr>
-          <p:cNvPr id="2" name="Text 0"/>
-          <p:cNvSpPr/>
-          <p:nvPr/>
-        </p:nvSpPr>
-        <p:spPr>
-          <a:xfrm>
-            <a:off x="457200" y="914400"/>
-            <a:ext cx="8229600" cy="1371600"/>
-          </a:xfrm>
-          <a:prstGeom prst="rect">
-            <a:avLst/>
-          </a:prstGeom>
-          <a:noFill/>
-          <a:ln/>
-        </p:spPr>
-        <p:txBody>
-          <a:bodyPr wrap="square" rtlCol="0" anchor="ctr"/>
-          <a:lstStyle/>
-          <a:p>
-            <a:pPr algn="ctr" indent="0" marL="0">
-              <a:buNone/>
-            </a:pPr>
-            <a:r>
-              <a:rPr lang="en-US" sz="3600" b="1" dirty="0">
-                <a:solidFill>
-                  <a:srgbClr val="363636"/>
-                </a:solidFill>
-                <a:latin typeface="Arial" pitchFamily="34" charset="0"/>
-                <a:ea typeface="Arial" pitchFamily="34" charset="-122"/>
-                <a:cs typeface="Arial" pitchFamily="34" charset="-120"/>
-              </a:rPr>
-              <a:t>Applications: Image &amp; Media Generation</a:t>
-            </a:r>
-            <a:endParaRPr lang="en-US" sz="3600" dirty="0"/>
-          </a:p>
-        </p:txBody>
-      </p:sp>
-      <p:sp>
-        <p:nvSpPr>
-          <p:cNvPr id="3" name="Text 1"/>
-          <p:cNvSpPr/>
-          <p:nvPr/>
-        </p:nvSpPr>
-        <p:spPr>
-          <a:xfrm>
-            <a:off x="457200" y="2560320"/>
-            <a:ext cx="8229600" cy="3657600"/>
-          </a:xfrm>
-          <a:prstGeom prst="rect">
-            <a:avLst/>
-          </a:prstGeom>
-          <a:noFill/>
-          <a:ln/>
-        </p:spPr>
-        <p:txBody>
-          <a:bodyPr wrap="square" rtlCol="0" anchor="ctr"/>
-          <a:lstStyle/>
-          <a:p>
-            <a:r>
-              <a:rPr lang="en-US" sz="2400" dirty="0">
-                <a:solidFill>
-                  <a:srgbClr val="363636"/>
-                </a:solidFill>
-                <a:latin typeface="Arial" pitchFamily="34" charset="0"/>
-                <a:ea typeface="Arial" pitchFamily="34" charset="-122"/>
-                <a:cs typeface="Arial" pitchFamily="34" charset="-120"/>
-              </a:rPr>
-              <a:t>Creative Industries: Art generation, graphic design concepts, fashion design.</a:t>
-            </a:r>
-            <a:pPr indent="0" marL="0">
-              <a:buNone/>
-            </a:pPr>
-            <a:r>
-              <a:rPr lang="en-US" sz="2400" dirty="0">
-                <a:solidFill>
-                  <a:srgbClr val="363636"/>
-                </a:solidFill>
-                <a:latin typeface="Arial" pitchFamily="34" charset="0"/>
-                <a:ea typeface="Arial" pitchFamily="34" charset="-122"/>
-                <a:cs typeface="Arial" pitchFamily="34" charset="-120"/>
-              </a:rPr>
-              <a:t>Product Design: Prototyping, generating variations, visualizations.</a:t>
-            </a:r>
-            <a:pPr indent="0" marL="0">
-              <a:buNone/>
-            </a:pPr>
-            <a:r>
-              <a:rPr lang="en-US" sz="2400" dirty="0">
-                <a:solidFill>
-                  <a:srgbClr val="363636"/>
-                </a:solidFill>
-                <a:latin typeface="Arial" pitchFamily="34" charset="0"/>
-                <a:ea typeface="Arial" pitchFamily="34" charset="-122"/>
-                <a:cs typeface="Arial" pitchFamily="34" charset="-120"/>
-              </a:rPr>
-              <a:t>Entertainment: Special effects, game asset creation, music composition.</a:t>
-            </a:r>
-            <a:pPr indent="0" marL="0">
-              <a:buNone/>
-            </a:pPr>
-            <a:r>
-              <a:rPr lang="en-US" sz="2400" dirty="0">
-                <a:solidFill>
-                  <a:srgbClr val="363636"/>
-                </a:solidFill>
-                <a:latin typeface="Arial" pitchFamily="34" charset="0"/>
-                <a:ea typeface="Arial" pitchFamily="34" charset="-122"/>
-                <a:cs typeface="Arial" pitchFamily="34" charset="-120"/>
-              </a:rPr>
-              <a:t>Marketing: Unique visuals for campaigns, personalized advertisements.</a:t>
+              <a:t>The Pahalgam attack of August 2000 was a significant act of violence targeting civilians and a major pilgrimage. It resulted in tragic loss of life and had lasting repercussions on security arrangements and regional dynamics. Remembering such events is crucial for understanding the complexities of the Kashmir conflict and the ongoing need for peace and security.</a:t>
             </a:r>
             <a:endParaRPr lang="en-US" sz="2400" dirty="0"/>
           </a:p>
